--- a/2DGP_2차발표.pptx
+++ b/2DGP_2차발표.pptx
@@ -8,6 +8,7 @@
     <p:sldId id="265" r:id="rId2"/>
     <p:sldId id="263" r:id="rId3"/>
     <p:sldId id="264" r:id="rId4"/>
+    <p:sldId id="266" r:id="rId5"/>
   </p:sldIdLst>
   <p:sldSz cx="12192000" cy="6858000"/>
   <p:notesSz cx="6858000" cy="9144000"/>
@@ -4821,82 +4822,6 @@
           </a:p>
         </p:txBody>
       </p:sp>
-      <p:sp>
-        <p:nvSpPr>
-          <p:cNvPr id="8" name="TextBox 7"/>
-          <p:cNvSpPr txBox="1"/>
-          <p:nvPr/>
-        </p:nvSpPr>
-        <p:spPr>
-          <a:xfrm>
-            <a:off x="2045617" y="1431013"/>
-            <a:ext cx="1970411" cy="584775"/>
-          </a:xfrm>
-          <a:prstGeom prst="rect">
-            <a:avLst/>
-          </a:prstGeom>
-          <a:noFill/>
-        </p:spPr>
-        <p:txBody>
-          <a:bodyPr wrap="none" rtlCol="0">
-            <a:spAutoFit/>
-          </a:bodyPr>
-          <a:lstStyle/>
-          <a:p>
-            <a:r>
-              <a:rPr lang="ko-KR" altLang="en-US" sz="3200" dirty="0">
-                <a:solidFill>
-                  <a:schemeClr val="tx1">
-                    <a:lumMod val="65000"/>
-                    <a:lumOff val="35000"/>
-                  </a:schemeClr>
-                </a:solidFill>
-                <a:latin typeface="+mj-ea"/>
-                <a:ea typeface="+mj-ea"/>
-              </a:rPr>
-              <a:t>개발 일정</a:t>
-            </a:r>
-          </a:p>
-        </p:txBody>
-      </p:sp>
-      <p:cxnSp>
-        <p:nvCxnSpPr>
-          <p:cNvPr id="10" name="직선 연결선 9"/>
-          <p:cNvCxnSpPr/>
-          <p:nvPr/>
-        </p:nvCxnSpPr>
-        <p:spPr>
-          <a:xfrm>
-            <a:off x="2045617" y="2015788"/>
-            <a:ext cx="8927183" cy="0"/>
-          </a:xfrm>
-          <a:prstGeom prst="line">
-            <a:avLst/>
-          </a:prstGeom>
-          <a:ln w="38100">
-            <a:solidFill>
-              <a:schemeClr val="bg1">
-                <a:lumMod val="65000"/>
-              </a:schemeClr>
-            </a:solidFill>
-            <a:prstDash val="sysDot"/>
-          </a:ln>
-        </p:spPr>
-        <p:style>
-          <a:lnRef idx="1">
-            <a:schemeClr val="accent1"/>
-          </a:lnRef>
-          <a:fillRef idx="0">
-            <a:schemeClr val="accent1"/>
-          </a:fillRef>
-          <a:effectRef idx="0">
-            <a:schemeClr val="accent1"/>
-          </a:effectRef>
-          <a:fontRef idx="minor">
-            <a:schemeClr val="tx1"/>
-          </a:fontRef>
-        </p:style>
-      </p:cxnSp>
       <p:graphicFrame>
         <p:nvGraphicFramePr>
           <p:cNvPr id="9" name="표 8"/>
@@ -4906,14 +4831,14 @@
           <p:nvPr>
             <p:extLst>
               <p:ext uri="{D42A27DB-BD31-4B8C-83A1-F6EECF244321}">
-                <p14:modId xmlns:p14="http://schemas.microsoft.com/office/powerpoint/2010/main" val="1914871922"/>
+                <p14:modId xmlns:p14="http://schemas.microsoft.com/office/powerpoint/2010/main" val="2344665861"/>
               </p:ext>
             </p:extLst>
           </p:nvPr>
         </p:nvGraphicFramePr>
         <p:xfrm>
-          <a:off x="2045615" y="2215238"/>
-          <a:ext cx="8927184" cy="3486015"/>
+          <a:off x="2045615" y="1605408"/>
+          <a:ext cx="8927184" cy="4406040"/>
         </p:xfrm>
         <a:graphic>
           <a:graphicData uri="http://schemas.openxmlformats.org/drawingml/2006/table">
@@ -4951,8 +4876,8 @@
                   </a:extLst>
                 </a:gridCol>
               </a:tblGrid>
-              <a:tr h="697203">
-                <a:tc>
+              <a:tr h="440604">
+                <a:tc rowSpan="2">
                   <a:txBody>
                     <a:bodyPr/>
                     <a:lstStyle/>
@@ -5045,7 +4970,7 @@
                     <a:p>
                       <a:pPr algn="ctr" latinLnBrk="1"/>
                       <a:r>
-                        <a:rPr lang="ko-KR" altLang="en-US" b="0" dirty="0">
+                        <a:rPr lang="ko-KR" altLang="en-US" sz="1000" b="0" dirty="0">
                           <a:solidFill>
                             <a:schemeClr val="tx1">
                               <a:lumMod val="65000"/>
@@ -5056,7 +4981,7 @@
                         <a:t>플레이어의</a:t>
                       </a:r>
                       <a:r>
-                        <a:rPr lang="ko-KR" altLang="en-US" b="0" baseline="0" dirty="0">
+                        <a:rPr lang="ko-KR" altLang="en-US" sz="1000" b="0" baseline="0" dirty="0">
                           <a:solidFill>
                             <a:schemeClr val="tx1">
                               <a:lumMod val="65000"/>
@@ -5066,7 +4991,7 @@
                         </a:rPr>
                         <a:t> 위치와 이동</a:t>
                       </a:r>
-                      <a:endParaRPr lang="en-US" altLang="ko-KR" b="0" baseline="0" dirty="0">
+                      <a:endParaRPr lang="en-US" altLang="ko-KR" sz="1000" b="0" baseline="0" dirty="0">
                         <a:solidFill>
                           <a:schemeClr val="tx1">
                             <a:lumMod val="65000"/>
@@ -5078,7 +5003,7 @@
                     <a:p>
                       <a:pPr algn="ctr" latinLnBrk="1"/>
                       <a:r>
-                        <a:rPr lang="ko-KR" altLang="en-US" b="0" dirty="0">
+                        <a:rPr lang="ko-KR" altLang="en-US" sz="1000" b="0" dirty="0">
                           <a:solidFill>
                             <a:schemeClr val="tx1">
                               <a:lumMod val="65000"/>
@@ -5146,7 +5071,7 @@
                     </a:solidFill>
                   </a:tcPr>
                 </a:tc>
-                <a:tc>
+                <a:tc rowSpan="2">
                   <a:txBody>
                     <a:bodyPr/>
                     <a:lstStyle/>
@@ -5232,7 +5157,7 @@
                     </a:solidFill>
                   </a:tcPr>
                 </a:tc>
-                <a:tc>
+                <a:tc rowSpan="2">
                   <a:txBody>
                     <a:bodyPr/>
                     <a:lstStyle/>
@@ -5354,8 +5279,219 @@
                   </a:ext>
                 </a:extLst>
               </a:tr>
-              <a:tr h="697203">
+              <a:tr h="440604">
+                <a:tc vMerge="1">
+                  <a:txBody>
+                    <a:bodyPr/>
+                    <a:lstStyle/>
+                    <a:p>
+                      <a:pPr latinLnBrk="1"/>
+                      <a:endParaRPr lang="ko-KR" altLang="en-US"/>
+                    </a:p>
+                  </a:txBody>
+                  <a:tcPr/>
+                </a:tc>
                 <a:tc>
+                  <a:txBody>
+                    <a:bodyPr/>
+                    <a:lstStyle/>
+                    <a:p>
+                      <a:pPr algn="ctr" latinLnBrk="1"/>
+                      <a:r>
+                        <a:rPr lang="en-US" altLang="ko-KR" sz="1000" b="0" dirty="0" err="1">
+                          <a:solidFill>
+                            <a:schemeClr val="tx1">
+                              <a:lumMod val="65000"/>
+                              <a:lumOff val="35000"/>
+                            </a:schemeClr>
+                          </a:solidFill>
+                        </a:rPr>
+                        <a:t>CPlayer</a:t>
+                      </a:r>
+                      <a:r>
+                        <a:rPr lang="en-US" altLang="ko-KR" sz="1000" b="0" baseline="0" dirty="0">
+                          <a:solidFill>
+                            <a:schemeClr val="tx1">
+                              <a:lumMod val="65000"/>
+                              <a:lumOff val="35000"/>
+                            </a:schemeClr>
+                          </a:solidFill>
+                        </a:rPr>
+                        <a:t> </a:t>
+                      </a:r>
+                      <a:r>
+                        <a:rPr lang="ko-KR" altLang="en-US" sz="1000" b="0" baseline="0" dirty="0">
+                          <a:solidFill>
+                            <a:schemeClr val="tx1">
+                              <a:lumMod val="65000"/>
+                              <a:lumOff val="35000"/>
+                            </a:schemeClr>
+                          </a:solidFill>
+                        </a:rPr>
+                        <a:t>클래스 구현</a:t>
+                      </a:r>
+                      <a:r>
+                        <a:rPr lang="en-US" altLang="ko-KR" sz="1000" b="0" baseline="0" dirty="0">
+                          <a:solidFill>
+                            <a:schemeClr val="tx1">
+                              <a:lumMod val="65000"/>
+                              <a:lumOff val="35000"/>
+                            </a:schemeClr>
+                          </a:solidFill>
+                        </a:rPr>
+                        <a:t>, </a:t>
+                      </a:r>
+                      <a:r>
+                        <a:rPr lang="en-US" altLang="ko-KR" sz="1000" b="0" baseline="0" dirty="0" err="1">
+                          <a:solidFill>
+                            <a:schemeClr val="tx1">
+                              <a:lumMod val="65000"/>
+                              <a:lumOff val="35000"/>
+                            </a:schemeClr>
+                          </a:solidFill>
+                        </a:rPr>
+                        <a:t>handle_event</a:t>
+                      </a:r>
+                      <a:r>
+                        <a:rPr lang="ko-KR" altLang="en-US" sz="1000" b="0" baseline="0" dirty="0">
+                          <a:solidFill>
+                            <a:schemeClr val="tx1">
+                              <a:lumMod val="65000"/>
+                              <a:lumOff val="35000"/>
+                            </a:schemeClr>
+                          </a:solidFill>
+                        </a:rPr>
+                        <a:t>를 통해 이동</a:t>
+                      </a:r>
+                      <a:endParaRPr lang="en-US" altLang="ko-KR" sz="1000" b="0" baseline="0" dirty="0">
+                        <a:solidFill>
+                          <a:schemeClr val="tx1">
+                            <a:lumMod val="65000"/>
+                            <a:lumOff val="35000"/>
+                          </a:schemeClr>
+                        </a:solidFill>
+                      </a:endParaRPr>
+                    </a:p>
+                    <a:p>
+                      <a:pPr algn="ctr" latinLnBrk="1"/>
+                      <a:r>
+                        <a:rPr lang="en-US" altLang="ko-KR" sz="1000" b="0" baseline="0" dirty="0" err="1">
+                          <a:solidFill>
+                            <a:schemeClr val="tx1">
+                              <a:lumMod val="65000"/>
+                              <a:lumOff val="35000"/>
+                            </a:schemeClr>
+                          </a:solidFill>
+                        </a:rPr>
+                        <a:t>Cbullet</a:t>
+                      </a:r>
+                      <a:r>
+                        <a:rPr lang="ko-KR" altLang="en-US" sz="1000" b="0" baseline="0" dirty="0">
+                          <a:solidFill>
+                            <a:schemeClr val="tx1">
+                              <a:lumMod val="65000"/>
+                              <a:lumOff val="35000"/>
+                            </a:schemeClr>
+                          </a:solidFill>
+                        </a:rPr>
+                        <a:t> 클래스를 구현하여 일정 간격으로 발사 </a:t>
+                      </a:r>
+                      <a:endParaRPr lang="ko-KR" altLang="en-US" sz="1000" b="0" dirty="0">
+                        <a:solidFill>
+                          <a:schemeClr val="tx1">
+                            <a:lumMod val="65000"/>
+                            <a:lumOff val="35000"/>
+                          </a:schemeClr>
+                        </a:solidFill>
+                      </a:endParaRPr>
+                    </a:p>
+                  </a:txBody>
+                  <a:tcPr anchor="ctr">
+                    <a:lnL w="19050" cap="flat" cmpd="sng" algn="ctr">
+                      <a:solidFill>
+                        <a:schemeClr val="tx1">
+                          <a:lumMod val="65000"/>
+                          <a:lumOff val="35000"/>
+                        </a:schemeClr>
+                      </a:solidFill>
+                      <a:prstDash val="solid"/>
+                      <a:round/>
+                      <a:headEnd type="none" w="med" len="med"/>
+                      <a:tailEnd type="none" w="med" len="med"/>
+                    </a:lnL>
+                    <a:lnR w="19050" cap="flat" cmpd="sng" algn="ctr">
+                      <a:solidFill>
+                        <a:schemeClr val="tx1">
+                          <a:lumMod val="65000"/>
+                          <a:lumOff val="35000"/>
+                        </a:schemeClr>
+                      </a:solidFill>
+                      <a:prstDash val="solid"/>
+                      <a:round/>
+                      <a:headEnd type="none" w="med" len="med"/>
+                      <a:tailEnd type="none" w="med" len="med"/>
+                    </a:lnR>
+                    <a:lnT w="19050" cap="flat" cmpd="sng" algn="ctr">
+                      <a:solidFill>
+                        <a:schemeClr val="tx1">
+                          <a:lumMod val="65000"/>
+                          <a:lumOff val="35000"/>
+                        </a:schemeClr>
+                      </a:solidFill>
+                      <a:prstDash val="solid"/>
+                      <a:round/>
+                      <a:headEnd type="none" w="med" len="med"/>
+                      <a:tailEnd type="none" w="med" len="med"/>
+                    </a:lnT>
+                    <a:lnB w="19050" cap="flat" cmpd="sng" algn="ctr">
+                      <a:solidFill>
+                        <a:schemeClr val="tx1">
+                          <a:lumMod val="65000"/>
+                          <a:lumOff val="35000"/>
+                        </a:schemeClr>
+                      </a:solidFill>
+                      <a:prstDash val="solid"/>
+                      <a:round/>
+                      <a:headEnd type="none" w="med" len="med"/>
+                      <a:tailEnd type="none" w="med" len="med"/>
+                    </a:lnB>
+                    <a:solidFill>
+                      <a:schemeClr val="bg1">
+                        <a:lumMod val="95000"/>
+                      </a:schemeClr>
+                    </a:solidFill>
+                  </a:tcPr>
+                </a:tc>
+                <a:tc vMerge="1">
+                  <a:txBody>
+                    <a:bodyPr/>
+                    <a:lstStyle/>
+                    <a:p>
+                      <a:pPr latinLnBrk="1"/>
+                      <a:endParaRPr lang="ko-KR" altLang="en-US"/>
+                    </a:p>
+                  </a:txBody>
+                  <a:tcPr/>
+                </a:tc>
+                <a:tc vMerge="1">
+                  <a:txBody>
+                    <a:bodyPr/>
+                    <a:lstStyle/>
+                    <a:p>
+                      <a:pPr latinLnBrk="1"/>
+                      <a:endParaRPr lang="ko-KR" altLang="en-US"/>
+                    </a:p>
+                  </a:txBody>
+                  <a:tcPr/>
+                </a:tc>
+                <a:extLst>
+                  <a:ext uri="{0D108BD9-81ED-4DB2-BD59-A6C34878D82A}">
+                    <a16:rowId xmlns:a16="http://schemas.microsoft.com/office/drawing/2014/main" val="3636756293"/>
+                  </a:ext>
+                </a:extLst>
+              </a:tr>
+              <a:tr h="440604">
+                <a:tc rowSpan="2">
                   <a:txBody>
                     <a:bodyPr/>
                     <a:lstStyle/>
@@ -5448,7 +5584,7 @@
                     <a:p>
                       <a:pPr algn="ctr" latinLnBrk="1"/>
                       <a:r>
-                        <a:rPr lang="ko-KR" altLang="en-US" b="0" dirty="0">
+                        <a:rPr lang="ko-KR" altLang="en-US" sz="1000" b="0" dirty="0">
                           <a:solidFill>
                             <a:schemeClr val="tx1">
                               <a:lumMod val="65000"/>
@@ -5459,7 +5595,7 @@
                         <a:t>방해물</a:t>
                       </a:r>
                       <a:r>
-                        <a:rPr lang="ko-KR" altLang="en-US" b="0" baseline="0" dirty="0">
+                        <a:rPr lang="ko-KR" altLang="en-US" sz="1000" b="0" baseline="0" dirty="0">
                           <a:solidFill>
                             <a:schemeClr val="tx1">
                               <a:lumMod val="65000"/>
@@ -5469,7 +5605,7 @@
                         </a:rPr>
                         <a:t> 매니저 클래스 구현</a:t>
                       </a:r>
-                      <a:endParaRPr lang="en-US" altLang="ko-KR" b="0" baseline="0" dirty="0">
+                      <a:endParaRPr lang="en-US" altLang="ko-KR" sz="1000" b="0" baseline="0" dirty="0">
                         <a:solidFill>
                           <a:schemeClr val="tx1">
                             <a:lumMod val="65000"/>
@@ -5481,7 +5617,7 @@
                     <a:p>
                       <a:pPr algn="ctr" latinLnBrk="1"/>
                       <a:r>
-                        <a:rPr lang="ko-KR" altLang="en-US" b="0" baseline="0" dirty="0">
+                        <a:rPr lang="ko-KR" altLang="en-US" sz="1000" b="0" baseline="0" dirty="0">
                           <a:solidFill>
                             <a:schemeClr val="tx1">
                               <a:lumMod val="65000"/>
@@ -5491,7 +5627,7 @@
                         </a:rPr>
                         <a:t>방해물 충돌처리 구현</a:t>
                       </a:r>
-                      <a:endParaRPr lang="ko-KR" altLang="en-US" b="0" dirty="0">
+                      <a:endParaRPr lang="ko-KR" altLang="en-US" sz="1000" b="0" dirty="0">
                         <a:solidFill>
                           <a:schemeClr val="tx1">
                             <a:lumMod val="65000"/>
@@ -5557,7 +5693,7 @@
                     </a:solidFill>
                   </a:tcPr>
                 </a:tc>
-                <a:tc>
+                <a:tc rowSpan="2">
                   <a:txBody>
                     <a:bodyPr/>
                     <a:lstStyle/>
@@ -5643,7 +5779,7 @@
                     </a:solidFill>
                   </a:tcPr>
                 </a:tc>
-                <a:tc>
+                <a:tc rowSpan="2">
                   <a:txBody>
                     <a:bodyPr/>
                     <a:lstStyle/>
@@ -5765,8 +5901,252 @@
                   </a:ext>
                 </a:extLst>
               </a:tr>
-              <a:tr h="697203">
+              <a:tr h="440604">
+                <a:tc vMerge="1">
+                  <a:txBody>
+                    <a:bodyPr/>
+                    <a:lstStyle/>
+                    <a:p>
+                      <a:pPr latinLnBrk="1"/>
+                      <a:endParaRPr lang="ko-KR" altLang="en-US"/>
+                    </a:p>
+                  </a:txBody>
+                  <a:tcPr/>
+                </a:tc>
                 <a:tc>
+                  <a:txBody>
+                    <a:bodyPr/>
+                    <a:lstStyle/>
+                    <a:p>
+                      <a:pPr algn="ctr" latinLnBrk="1"/>
+                      <a:r>
+                        <a:rPr lang="en-US" altLang="ko-KR" sz="1000" b="0" dirty="0" err="1">
+                          <a:solidFill>
+                            <a:schemeClr val="tx1">
+                              <a:lumMod val="65000"/>
+                              <a:lumOff val="35000"/>
+                            </a:schemeClr>
+                          </a:solidFill>
+                        </a:rPr>
+                        <a:t>CEnemy</a:t>
+                      </a:r>
+                      <a:r>
+                        <a:rPr lang="en-US" altLang="ko-KR" sz="1000" b="0" dirty="0">
+                          <a:solidFill>
+                            <a:schemeClr val="tx1">
+                              <a:lumMod val="65000"/>
+                              <a:lumOff val="35000"/>
+                            </a:schemeClr>
+                          </a:solidFill>
+                        </a:rPr>
+                        <a:t> </a:t>
+                      </a:r>
+                      <a:r>
+                        <a:rPr lang="ko-KR" altLang="en-US" sz="1000" b="0" dirty="0">
+                          <a:solidFill>
+                            <a:schemeClr val="tx1">
+                              <a:lumMod val="65000"/>
+                              <a:lumOff val="35000"/>
+                            </a:schemeClr>
+                          </a:solidFill>
+                        </a:rPr>
+                        <a:t>클래스 구현</a:t>
+                      </a:r>
+                      <a:r>
+                        <a:rPr lang="en-US" altLang="ko-KR" sz="1000" b="0" dirty="0">
+                          <a:solidFill>
+                            <a:schemeClr val="tx1">
+                              <a:lumMod val="65000"/>
+                              <a:lumOff val="35000"/>
+                            </a:schemeClr>
+                          </a:solidFill>
+                        </a:rPr>
+                        <a:t>,</a:t>
+                      </a:r>
+                      <a:r>
+                        <a:rPr lang="en-US" altLang="ko-KR" sz="1000" b="0" baseline="0" dirty="0">
+                          <a:solidFill>
+                            <a:schemeClr val="tx1">
+                              <a:lumMod val="65000"/>
+                              <a:lumOff val="35000"/>
+                            </a:schemeClr>
+                          </a:solidFill>
+                        </a:rPr>
+                        <a:t> </a:t>
+                      </a:r>
+                      <a:r>
+                        <a:rPr lang="ko-KR" altLang="en-US" sz="1000" b="0" baseline="0" dirty="0">
+                          <a:solidFill>
+                            <a:schemeClr val="tx1">
+                              <a:lumMod val="65000"/>
+                              <a:lumOff val="35000"/>
+                            </a:schemeClr>
+                          </a:solidFill>
+                        </a:rPr>
+                        <a:t>매니저 클래스 대신 전체를</a:t>
+                      </a:r>
+                      <a:endParaRPr lang="en-US" altLang="ko-KR" sz="1000" b="0" baseline="0" dirty="0">
+                        <a:solidFill>
+                          <a:schemeClr val="tx1">
+                            <a:lumMod val="65000"/>
+                            <a:lumOff val="35000"/>
+                          </a:schemeClr>
+                        </a:solidFill>
+                      </a:endParaRPr>
+                    </a:p>
+                    <a:p>
+                      <a:pPr algn="ctr" latinLnBrk="1"/>
+                      <a:r>
+                        <a:rPr lang="ko-KR" altLang="en-US" sz="1000" b="0" baseline="0" dirty="0">
+                          <a:solidFill>
+                            <a:schemeClr val="tx1">
+                              <a:lumMod val="65000"/>
+                              <a:lumOff val="35000"/>
+                            </a:schemeClr>
+                          </a:solidFill>
+                        </a:rPr>
+                        <a:t>관리하는 리스트로 통제</a:t>
+                      </a:r>
+                      <a:r>
+                        <a:rPr lang="en-US" altLang="ko-KR" sz="1000" b="0" baseline="0" dirty="0">
+                          <a:solidFill>
+                            <a:schemeClr val="tx1">
+                              <a:lumMod val="65000"/>
+                              <a:lumOff val="35000"/>
+                            </a:schemeClr>
+                          </a:solidFill>
+                        </a:rPr>
+                        <a:t>. </a:t>
+                      </a:r>
+                      <a:r>
+                        <a:rPr lang="en-US" altLang="ko-KR" sz="1000" b="0" baseline="0" dirty="0" err="1">
+                          <a:solidFill>
+                            <a:schemeClr val="tx1">
+                              <a:lumMod val="65000"/>
+                              <a:lumOff val="35000"/>
+                            </a:schemeClr>
+                          </a:solidFill>
+                        </a:rPr>
+                        <a:t>isCollide</a:t>
+                      </a:r>
+                      <a:r>
+                        <a:rPr lang="en-US" altLang="ko-KR" sz="1000" b="0" baseline="0" dirty="0">
+                          <a:solidFill>
+                            <a:schemeClr val="tx1">
+                              <a:lumMod val="65000"/>
+                              <a:lumOff val="35000"/>
+                            </a:schemeClr>
+                          </a:solidFill>
+                        </a:rPr>
+                        <a:t>()</a:t>
+                      </a:r>
+                      <a:r>
+                        <a:rPr lang="ko-KR" altLang="en-US" sz="1000" b="0" baseline="0" dirty="0">
+                          <a:solidFill>
+                            <a:schemeClr val="tx1">
+                              <a:lumMod val="65000"/>
+                              <a:lumOff val="35000"/>
+                            </a:schemeClr>
+                          </a:solidFill>
+                        </a:rPr>
+                        <a:t>를 이용하여 충돌</a:t>
+                      </a:r>
+                      <a:endParaRPr lang="en-US" altLang="ko-KR" sz="1000" b="0" dirty="0">
+                        <a:solidFill>
+                          <a:schemeClr val="tx1">
+                            <a:lumMod val="65000"/>
+                            <a:lumOff val="35000"/>
+                          </a:schemeClr>
+                        </a:solidFill>
+                      </a:endParaRPr>
+                    </a:p>
+                  </a:txBody>
+                  <a:tcPr anchor="ctr">
+                    <a:lnL w="19050" cap="flat" cmpd="sng" algn="ctr">
+                      <a:solidFill>
+                        <a:schemeClr val="tx1">
+                          <a:lumMod val="65000"/>
+                          <a:lumOff val="35000"/>
+                        </a:schemeClr>
+                      </a:solidFill>
+                      <a:prstDash val="solid"/>
+                      <a:round/>
+                      <a:headEnd type="none" w="med" len="med"/>
+                      <a:tailEnd type="none" w="med" len="med"/>
+                    </a:lnL>
+                    <a:lnR w="19050" cap="flat" cmpd="sng" algn="ctr">
+                      <a:solidFill>
+                        <a:schemeClr val="tx1">
+                          <a:lumMod val="65000"/>
+                          <a:lumOff val="35000"/>
+                        </a:schemeClr>
+                      </a:solidFill>
+                      <a:prstDash val="solid"/>
+                      <a:round/>
+                      <a:headEnd type="none" w="med" len="med"/>
+                      <a:tailEnd type="none" w="med" len="med"/>
+                    </a:lnR>
+                    <a:lnT w="19050" cap="flat" cmpd="sng" algn="ctr">
+                      <a:solidFill>
+                        <a:schemeClr val="tx1">
+                          <a:lumMod val="65000"/>
+                          <a:lumOff val="35000"/>
+                        </a:schemeClr>
+                      </a:solidFill>
+                      <a:prstDash val="solid"/>
+                      <a:round/>
+                      <a:headEnd type="none" w="med" len="med"/>
+                      <a:tailEnd type="none" w="med" len="med"/>
+                    </a:lnT>
+                    <a:lnB w="19050" cap="flat" cmpd="sng" algn="ctr">
+                      <a:solidFill>
+                        <a:schemeClr val="tx1">
+                          <a:lumMod val="65000"/>
+                          <a:lumOff val="35000"/>
+                        </a:schemeClr>
+                      </a:solidFill>
+                      <a:prstDash val="solid"/>
+                      <a:round/>
+                      <a:headEnd type="none" w="med" len="med"/>
+                      <a:tailEnd type="none" w="med" len="med"/>
+                    </a:lnB>
+                    <a:solidFill>
+                      <a:schemeClr val="bg1">
+                        <a:lumMod val="85000"/>
+                      </a:schemeClr>
+                    </a:solidFill>
+                  </a:tcPr>
+                </a:tc>
+                <a:tc vMerge="1">
+                  <a:txBody>
+                    <a:bodyPr/>
+                    <a:lstStyle/>
+                    <a:p>
+                      <a:pPr latinLnBrk="1"/>
+                      <a:endParaRPr lang="ko-KR" altLang="en-US"/>
+                    </a:p>
+                  </a:txBody>
+                  <a:tcPr/>
+                </a:tc>
+                <a:tc vMerge="1">
+                  <a:txBody>
+                    <a:bodyPr/>
+                    <a:lstStyle/>
+                    <a:p>
+                      <a:pPr latinLnBrk="1"/>
+                      <a:endParaRPr lang="ko-KR" altLang="en-US"/>
+                    </a:p>
+                  </a:txBody>
+                  <a:tcPr/>
+                </a:tc>
+                <a:extLst>
+                  <a:ext uri="{0D108BD9-81ED-4DB2-BD59-A6C34878D82A}">
+                    <a16:rowId xmlns:a16="http://schemas.microsoft.com/office/drawing/2014/main" val="2306278863"/>
+                  </a:ext>
+                </a:extLst>
+              </a:tr>
+              <a:tr h="440604">
+                <a:tc rowSpan="2">
                   <a:txBody>
                     <a:bodyPr/>
                     <a:lstStyle/>
@@ -5859,7 +6239,7 @@
                     <a:p>
                       <a:pPr algn="ctr" latinLnBrk="1"/>
                       <a:r>
-                        <a:rPr lang="ko-KR" altLang="en-US" b="0" dirty="0">
+                        <a:rPr lang="ko-KR" altLang="en-US" sz="1000" b="0" dirty="0">
                           <a:solidFill>
                             <a:schemeClr val="tx1">
                               <a:lumMod val="65000"/>
@@ -5869,7 +6249,7 @@
                         </a:rPr>
                         <a:t>그래픽 리소스 제작</a:t>
                       </a:r>
-                      <a:endParaRPr lang="en-US" altLang="ko-KR" b="0" dirty="0">
+                      <a:endParaRPr lang="en-US" altLang="ko-KR" sz="1000" b="0" dirty="0">
                         <a:solidFill>
                           <a:schemeClr val="tx1">
                             <a:lumMod val="65000"/>
@@ -5881,7 +6261,7 @@
                     <a:p>
                       <a:pPr algn="ctr" latinLnBrk="1"/>
                       <a:r>
-                        <a:rPr lang="ko-KR" altLang="en-US" b="0" dirty="0">
+                        <a:rPr lang="ko-KR" altLang="en-US" sz="1000" b="0" dirty="0">
                           <a:solidFill>
                             <a:schemeClr val="tx1">
                               <a:lumMod val="65000"/>
@@ -5949,7 +6329,7 @@
                     </a:solidFill>
                   </a:tcPr>
                 </a:tc>
-                <a:tc>
+                <a:tc rowSpan="2">
                   <a:txBody>
                     <a:bodyPr/>
                     <a:lstStyle/>
@@ -6035,7 +6415,7 @@
                     </a:solidFill>
                   </a:tcPr>
                 </a:tc>
-                <a:tc>
+                <a:tc rowSpan="2">
                   <a:txBody>
                     <a:bodyPr/>
                     <a:lstStyle/>
@@ -6138,8 +6518,120 @@
                   </a:ext>
                 </a:extLst>
               </a:tr>
-              <a:tr h="697203">
+              <a:tr h="440604">
+                <a:tc vMerge="1">
+                  <a:txBody>
+                    <a:bodyPr/>
+                    <a:lstStyle/>
+                    <a:p>
+                      <a:pPr latinLnBrk="1"/>
+                      <a:endParaRPr lang="ko-KR" altLang="en-US"/>
+                    </a:p>
+                  </a:txBody>
+                  <a:tcPr/>
+                </a:tc>
                 <a:tc>
+                  <a:txBody>
+                    <a:bodyPr/>
+                    <a:lstStyle/>
+                    <a:p>
+                      <a:pPr algn="ctr" latinLnBrk="1"/>
+                      <a:endParaRPr lang="ko-KR" altLang="en-US" sz="1000" b="0" dirty="0">
+                        <a:solidFill>
+                          <a:schemeClr val="tx1">
+                            <a:lumMod val="65000"/>
+                            <a:lumOff val="35000"/>
+                          </a:schemeClr>
+                        </a:solidFill>
+                      </a:endParaRPr>
+                    </a:p>
+                  </a:txBody>
+                  <a:tcPr anchor="ctr">
+                    <a:lnL w="19050" cap="flat" cmpd="sng" algn="ctr">
+                      <a:solidFill>
+                        <a:schemeClr val="tx1">
+                          <a:lumMod val="65000"/>
+                          <a:lumOff val="35000"/>
+                        </a:schemeClr>
+                      </a:solidFill>
+                      <a:prstDash val="solid"/>
+                      <a:round/>
+                      <a:headEnd type="none" w="med" len="med"/>
+                      <a:tailEnd type="none" w="med" len="med"/>
+                    </a:lnL>
+                    <a:lnR w="19050" cap="flat" cmpd="sng" algn="ctr">
+                      <a:solidFill>
+                        <a:schemeClr val="tx1">
+                          <a:lumMod val="65000"/>
+                          <a:lumOff val="35000"/>
+                        </a:schemeClr>
+                      </a:solidFill>
+                      <a:prstDash val="solid"/>
+                      <a:round/>
+                      <a:headEnd type="none" w="med" len="med"/>
+                      <a:tailEnd type="none" w="med" len="med"/>
+                    </a:lnR>
+                    <a:lnT w="19050" cap="flat" cmpd="sng" algn="ctr">
+                      <a:solidFill>
+                        <a:schemeClr val="tx1">
+                          <a:lumMod val="65000"/>
+                          <a:lumOff val="35000"/>
+                        </a:schemeClr>
+                      </a:solidFill>
+                      <a:prstDash val="solid"/>
+                      <a:round/>
+                      <a:headEnd type="none" w="med" len="med"/>
+                      <a:tailEnd type="none" w="med" len="med"/>
+                    </a:lnT>
+                    <a:lnB w="19050" cap="flat" cmpd="sng" algn="ctr">
+                      <a:solidFill>
+                        <a:schemeClr val="tx1">
+                          <a:lumMod val="65000"/>
+                          <a:lumOff val="35000"/>
+                        </a:schemeClr>
+                      </a:solidFill>
+                      <a:prstDash val="solid"/>
+                      <a:round/>
+                      <a:headEnd type="none" w="med" len="med"/>
+                      <a:tailEnd type="none" w="med" len="med"/>
+                    </a:lnB>
+                    <a:solidFill>
+                      <a:schemeClr val="bg1">
+                        <a:lumMod val="95000"/>
+                      </a:schemeClr>
+                    </a:solidFill>
+                  </a:tcPr>
+                </a:tc>
+                <a:tc vMerge="1">
+                  <a:txBody>
+                    <a:bodyPr/>
+                    <a:lstStyle/>
+                    <a:p>
+                      <a:pPr latinLnBrk="1"/>
+                      <a:endParaRPr lang="ko-KR" altLang="en-US"/>
+                    </a:p>
+                  </a:txBody>
+                  <a:tcPr/>
+                </a:tc>
+                <a:tc vMerge="1">
+                  <a:txBody>
+                    <a:bodyPr/>
+                    <a:lstStyle/>
+                    <a:p>
+                      <a:pPr latinLnBrk="1"/>
+                      <a:endParaRPr lang="ko-KR" altLang="en-US"/>
+                    </a:p>
+                  </a:txBody>
+                  <a:tcPr/>
+                </a:tc>
+                <a:extLst>
+                  <a:ext uri="{0D108BD9-81ED-4DB2-BD59-A6C34878D82A}">
+                    <a16:rowId xmlns:a16="http://schemas.microsoft.com/office/drawing/2014/main" val="2705546771"/>
+                  </a:ext>
+                </a:extLst>
+              </a:tr>
+              <a:tr h="440604">
+                <a:tc rowSpan="2">
                   <a:txBody>
                     <a:bodyPr/>
                     <a:lstStyle/>
@@ -6232,7 +6724,7 @@
                     <a:p>
                       <a:pPr algn="ctr" latinLnBrk="1"/>
                       <a:r>
-                        <a:rPr lang="ko-KR" altLang="en-US" b="0" dirty="0">
+                        <a:rPr lang="ko-KR" altLang="en-US" sz="1000" b="0" dirty="0">
                           <a:solidFill>
                             <a:schemeClr val="tx1">
                               <a:lumMod val="65000"/>
@@ -6242,7 +6734,7 @@
                         </a:rPr>
                         <a:t>그래픽 리소스 제작</a:t>
                       </a:r>
-                      <a:endParaRPr lang="en-US" altLang="ko-KR" b="0" dirty="0">
+                      <a:endParaRPr lang="en-US" altLang="ko-KR" sz="1000" b="0" dirty="0">
                         <a:solidFill>
                           <a:schemeClr val="tx1">
                             <a:lumMod val="65000"/>
@@ -6254,7 +6746,7 @@
                     <a:p>
                       <a:pPr algn="ctr" latinLnBrk="1"/>
                       <a:r>
-                        <a:rPr lang="ko-KR" altLang="en-US" b="0" dirty="0">
+                        <a:rPr lang="ko-KR" altLang="en-US" sz="1000" b="0" dirty="0">
                           <a:solidFill>
                             <a:schemeClr val="tx1">
                               <a:lumMod val="65000"/>
@@ -6322,7 +6814,7 @@
                     </a:solidFill>
                   </a:tcPr>
                 </a:tc>
-                <a:tc>
+                <a:tc rowSpan="2">
                   <a:txBody>
                     <a:bodyPr/>
                     <a:lstStyle/>
@@ -6408,7 +6900,7 @@
                     </a:solidFill>
                   </a:tcPr>
                 </a:tc>
-                <a:tc>
+                <a:tc rowSpan="2">
                   <a:txBody>
                     <a:bodyPr/>
                     <a:lstStyle/>
@@ -6576,8 +7068,120 @@
                   </a:ext>
                 </a:extLst>
               </a:tr>
-              <a:tr h="697203">
+              <a:tr h="440604">
+                <a:tc vMerge="1">
+                  <a:txBody>
+                    <a:bodyPr/>
+                    <a:lstStyle/>
+                    <a:p>
+                      <a:pPr latinLnBrk="1"/>
+                      <a:endParaRPr lang="ko-KR" altLang="en-US"/>
+                    </a:p>
+                  </a:txBody>
+                  <a:tcPr/>
+                </a:tc>
                 <a:tc>
+                  <a:txBody>
+                    <a:bodyPr/>
+                    <a:lstStyle/>
+                    <a:p>
+                      <a:pPr algn="ctr" latinLnBrk="1"/>
+                      <a:endParaRPr lang="ko-KR" altLang="en-US" sz="1000" b="0" dirty="0">
+                        <a:solidFill>
+                          <a:schemeClr val="tx1">
+                            <a:lumMod val="65000"/>
+                            <a:lumOff val="35000"/>
+                          </a:schemeClr>
+                        </a:solidFill>
+                      </a:endParaRPr>
+                    </a:p>
+                  </a:txBody>
+                  <a:tcPr anchor="ctr">
+                    <a:lnL w="19050" cap="flat" cmpd="sng" algn="ctr">
+                      <a:solidFill>
+                        <a:schemeClr val="tx1">
+                          <a:lumMod val="65000"/>
+                          <a:lumOff val="35000"/>
+                        </a:schemeClr>
+                      </a:solidFill>
+                      <a:prstDash val="solid"/>
+                      <a:round/>
+                      <a:headEnd type="none" w="med" len="med"/>
+                      <a:tailEnd type="none" w="med" len="med"/>
+                    </a:lnL>
+                    <a:lnR w="19050" cap="flat" cmpd="sng" algn="ctr">
+                      <a:solidFill>
+                        <a:schemeClr val="tx1">
+                          <a:lumMod val="65000"/>
+                          <a:lumOff val="35000"/>
+                        </a:schemeClr>
+                      </a:solidFill>
+                      <a:prstDash val="solid"/>
+                      <a:round/>
+                      <a:headEnd type="none" w="med" len="med"/>
+                      <a:tailEnd type="none" w="med" len="med"/>
+                    </a:lnR>
+                    <a:lnT w="19050" cap="flat" cmpd="sng" algn="ctr">
+                      <a:solidFill>
+                        <a:schemeClr val="tx1">
+                          <a:lumMod val="65000"/>
+                          <a:lumOff val="35000"/>
+                        </a:schemeClr>
+                      </a:solidFill>
+                      <a:prstDash val="solid"/>
+                      <a:round/>
+                      <a:headEnd type="none" w="med" len="med"/>
+                      <a:tailEnd type="none" w="med" len="med"/>
+                    </a:lnT>
+                    <a:lnB w="19050" cap="flat" cmpd="sng" algn="ctr">
+                      <a:solidFill>
+                        <a:schemeClr val="tx1">
+                          <a:lumMod val="65000"/>
+                          <a:lumOff val="35000"/>
+                        </a:schemeClr>
+                      </a:solidFill>
+                      <a:prstDash val="solid"/>
+                      <a:round/>
+                      <a:headEnd type="none" w="med" len="med"/>
+                      <a:tailEnd type="none" w="med" len="med"/>
+                    </a:lnB>
+                    <a:solidFill>
+                      <a:schemeClr val="bg1">
+                        <a:lumMod val="85000"/>
+                      </a:schemeClr>
+                    </a:solidFill>
+                  </a:tcPr>
+                </a:tc>
+                <a:tc vMerge="1">
+                  <a:txBody>
+                    <a:bodyPr/>
+                    <a:lstStyle/>
+                    <a:p>
+                      <a:pPr latinLnBrk="1"/>
+                      <a:endParaRPr lang="ko-KR" altLang="en-US"/>
+                    </a:p>
+                  </a:txBody>
+                  <a:tcPr/>
+                </a:tc>
+                <a:tc vMerge="1">
+                  <a:txBody>
+                    <a:bodyPr/>
+                    <a:lstStyle/>
+                    <a:p>
+                      <a:pPr latinLnBrk="1"/>
+                      <a:endParaRPr lang="ko-KR" altLang="en-US"/>
+                    </a:p>
+                  </a:txBody>
+                  <a:tcPr/>
+                </a:tc>
+                <a:extLst>
+                  <a:ext uri="{0D108BD9-81ED-4DB2-BD59-A6C34878D82A}">
+                    <a16:rowId xmlns:a16="http://schemas.microsoft.com/office/drawing/2014/main" val="1837806989"/>
+                  </a:ext>
+                </a:extLst>
+              </a:tr>
+              <a:tr h="440604">
+                <a:tc rowSpan="2">
                   <a:txBody>
                     <a:bodyPr/>
                     <a:lstStyle/>
@@ -6670,7 +7274,7 @@
                     <a:p>
                       <a:pPr algn="ctr" latinLnBrk="1"/>
                       <a:r>
-                        <a:rPr lang="ko-KR" altLang="en-US" b="0" dirty="0">
+                        <a:rPr lang="ko-KR" altLang="en-US" sz="1000" b="0" dirty="0">
                           <a:solidFill>
                             <a:schemeClr val="tx1">
                               <a:lumMod val="65000"/>
@@ -6680,7 +7284,7 @@
                         </a:rPr>
                         <a:t>밀린 개발 일정 따라잡기</a:t>
                       </a:r>
-                      <a:endParaRPr lang="en-US" altLang="ko-KR" b="0" dirty="0">
+                      <a:endParaRPr lang="en-US" altLang="ko-KR" sz="1000" b="0" dirty="0">
                         <a:solidFill>
                           <a:schemeClr val="tx1">
                             <a:lumMod val="65000"/>
@@ -6692,7 +7296,7 @@
                     <a:p>
                       <a:pPr algn="ctr" latinLnBrk="1"/>
                       <a:r>
-                        <a:rPr lang="ko-KR" altLang="en-US" b="0" dirty="0">
+                        <a:rPr lang="ko-KR" altLang="en-US" sz="1000" b="0" dirty="0">
                           <a:solidFill>
                             <a:schemeClr val="tx1">
                               <a:lumMod val="65000"/>
@@ -6760,7 +7364,7 @@
                     </a:solidFill>
                   </a:tcPr>
                 </a:tc>
-                <a:tc>
+                <a:tc rowSpan="2">
                   <a:txBody>
                     <a:bodyPr/>
                     <a:lstStyle/>
@@ -6846,7 +7450,7 @@
                     </a:solidFill>
                   </a:tcPr>
                 </a:tc>
-                <a:tc>
+                <a:tc rowSpan="2">
                   <a:txBody>
                     <a:bodyPr/>
                     <a:lstStyle/>
@@ -6949,6 +7553,118 @@
                   </a:ext>
                 </a:extLst>
               </a:tr>
+              <a:tr h="440604">
+                <a:tc vMerge="1">
+                  <a:txBody>
+                    <a:bodyPr/>
+                    <a:lstStyle/>
+                    <a:p>
+                      <a:pPr latinLnBrk="1"/>
+                      <a:endParaRPr lang="ko-KR" altLang="en-US"/>
+                    </a:p>
+                  </a:txBody>
+                  <a:tcPr/>
+                </a:tc>
+                <a:tc>
+                  <a:txBody>
+                    <a:bodyPr/>
+                    <a:lstStyle/>
+                    <a:p>
+                      <a:pPr algn="ctr" latinLnBrk="1"/>
+                      <a:endParaRPr lang="ko-KR" altLang="en-US" sz="1000" b="0" dirty="0">
+                        <a:solidFill>
+                          <a:schemeClr val="tx1">
+                            <a:lumMod val="65000"/>
+                            <a:lumOff val="35000"/>
+                          </a:schemeClr>
+                        </a:solidFill>
+                      </a:endParaRPr>
+                    </a:p>
+                  </a:txBody>
+                  <a:tcPr anchor="ctr">
+                    <a:lnL w="19050" cap="flat" cmpd="sng" algn="ctr">
+                      <a:solidFill>
+                        <a:schemeClr val="tx1">
+                          <a:lumMod val="65000"/>
+                          <a:lumOff val="35000"/>
+                        </a:schemeClr>
+                      </a:solidFill>
+                      <a:prstDash val="solid"/>
+                      <a:round/>
+                      <a:headEnd type="none" w="med" len="med"/>
+                      <a:tailEnd type="none" w="med" len="med"/>
+                    </a:lnL>
+                    <a:lnR w="19050" cap="flat" cmpd="sng" algn="ctr">
+                      <a:solidFill>
+                        <a:schemeClr val="tx1">
+                          <a:lumMod val="65000"/>
+                          <a:lumOff val="35000"/>
+                        </a:schemeClr>
+                      </a:solidFill>
+                      <a:prstDash val="solid"/>
+                      <a:round/>
+                      <a:headEnd type="none" w="med" len="med"/>
+                      <a:tailEnd type="none" w="med" len="med"/>
+                    </a:lnR>
+                    <a:lnT w="19050" cap="flat" cmpd="sng" algn="ctr">
+                      <a:solidFill>
+                        <a:schemeClr val="tx1">
+                          <a:lumMod val="65000"/>
+                          <a:lumOff val="35000"/>
+                        </a:schemeClr>
+                      </a:solidFill>
+                      <a:prstDash val="solid"/>
+                      <a:round/>
+                      <a:headEnd type="none" w="med" len="med"/>
+                      <a:tailEnd type="none" w="med" len="med"/>
+                    </a:lnT>
+                    <a:lnB w="19050" cap="flat" cmpd="sng" algn="ctr">
+                      <a:solidFill>
+                        <a:schemeClr val="tx1">
+                          <a:lumMod val="65000"/>
+                          <a:lumOff val="35000"/>
+                        </a:schemeClr>
+                      </a:solidFill>
+                      <a:prstDash val="solid"/>
+                      <a:round/>
+                      <a:headEnd type="none" w="med" len="med"/>
+                      <a:tailEnd type="none" w="med" len="med"/>
+                    </a:lnB>
+                    <a:solidFill>
+                      <a:schemeClr val="bg1">
+                        <a:lumMod val="95000"/>
+                      </a:schemeClr>
+                    </a:solidFill>
+                  </a:tcPr>
+                </a:tc>
+                <a:tc vMerge="1">
+                  <a:txBody>
+                    <a:bodyPr/>
+                    <a:lstStyle/>
+                    <a:p>
+                      <a:pPr latinLnBrk="1"/>
+                      <a:endParaRPr lang="ko-KR" altLang="en-US"/>
+                    </a:p>
+                  </a:txBody>
+                  <a:tcPr/>
+                </a:tc>
+                <a:tc vMerge="1">
+                  <a:txBody>
+                    <a:bodyPr/>
+                    <a:lstStyle/>
+                    <a:p>
+                      <a:pPr latinLnBrk="1"/>
+                      <a:endParaRPr lang="ko-KR" altLang="en-US"/>
+                    </a:p>
+                  </a:txBody>
+                  <a:tcPr/>
+                </a:tc>
+                <a:extLst>
+                  <a:ext uri="{0D108BD9-81ED-4DB2-BD59-A6C34878D82A}">
+                    <a16:rowId xmlns:a16="http://schemas.microsoft.com/office/drawing/2014/main" val="892861279"/>
+                  </a:ext>
+                </a:extLst>
+              </a:tr>
             </a:tbl>
           </a:graphicData>
         </a:graphic>
@@ -6957,6 +7673,401 @@
     <p:extLst>
       <p:ext uri="{BB962C8B-B14F-4D97-AF65-F5344CB8AC3E}">
         <p14:creationId xmlns:p14="http://schemas.microsoft.com/office/powerpoint/2010/main" val="1639307766"/>
+      </p:ext>
+    </p:extLst>
+  </p:cSld>
+  <p:clrMapOvr>
+    <a:masterClrMapping/>
+  </p:clrMapOvr>
+</p:sld>
+</file>
+
+<file path=ppt/slides/slide4.xml><?xml version="1.0" encoding="utf-8"?>
+<p:sld xmlns:a="http://schemas.openxmlformats.org/drawingml/2006/main" xmlns:r="http://schemas.openxmlformats.org/officeDocument/2006/relationships" xmlns:p="http://schemas.openxmlformats.org/presentationml/2006/main">
+  <p:cSld>
+    <p:spTree>
+      <p:nvGrpSpPr>
+        <p:cNvPr id="1" name=""/>
+        <p:cNvGrpSpPr/>
+        <p:nvPr/>
+      </p:nvGrpSpPr>
+      <p:grpSpPr>
+        <a:xfrm>
+          <a:off x="0" y="0"/>
+          <a:ext cx="0" cy="0"/>
+          <a:chOff x="0" y="0"/>
+          <a:chExt cx="0" cy="0"/>
+        </a:xfrm>
+      </p:grpSpPr>
+      <p:sp>
+        <p:nvSpPr>
+          <p:cNvPr id="3" name="사각형: 둥근 모서리 2"/>
+          <p:cNvSpPr/>
+          <p:nvPr/>
+        </p:nvSpPr>
+        <p:spPr>
+          <a:xfrm>
+            <a:off x="925098" y="1605410"/>
+            <a:ext cx="509047" cy="4406037"/>
+          </a:xfrm>
+          <a:prstGeom prst="roundRect">
+            <a:avLst/>
+          </a:prstGeom>
+          <a:solidFill>
+            <a:schemeClr val="tx1">
+              <a:lumMod val="65000"/>
+              <a:lumOff val="35000"/>
+            </a:schemeClr>
+          </a:solidFill>
+          <a:ln>
+            <a:noFill/>
+          </a:ln>
+        </p:spPr>
+        <p:style>
+          <a:lnRef idx="2">
+            <a:schemeClr val="accent1">
+              <a:shade val="50000"/>
+            </a:schemeClr>
+          </a:lnRef>
+          <a:fillRef idx="1">
+            <a:schemeClr val="accent1"/>
+          </a:fillRef>
+          <a:effectRef idx="0">
+            <a:schemeClr val="accent1"/>
+          </a:effectRef>
+          <a:fontRef idx="minor">
+            <a:schemeClr val="lt1"/>
+          </a:fontRef>
+        </p:style>
+        <p:txBody>
+          <a:bodyPr rtlCol="0" anchor="ctr"/>
+          <a:lstStyle/>
+          <a:p>
+            <a:pPr algn="ctr"/>
+            <a:endParaRPr lang="ko-KR" altLang="en-US"/>
+          </a:p>
+        </p:txBody>
+      </p:sp>
+      <p:sp>
+        <p:nvSpPr>
+          <p:cNvPr id="4" name="사각형: 둥근 모서리 3"/>
+          <p:cNvSpPr/>
+          <p:nvPr/>
+        </p:nvSpPr>
+        <p:spPr>
+          <a:xfrm>
+            <a:off x="1575847" y="1074656"/>
+            <a:ext cx="9990842" cy="5467546"/>
+          </a:xfrm>
+          <a:prstGeom prst="roundRect">
+            <a:avLst/>
+          </a:prstGeom>
+          <a:solidFill>
+            <a:schemeClr val="bg1">
+              <a:lumMod val="85000"/>
+            </a:schemeClr>
+          </a:solidFill>
+          <a:ln w="76200">
+            <a:solidFill>
+              <a:schemeClr val="tx1">
+                <a:lumMod val="50000"/>
+                <a:lumOff val="50000"/>
+              </a:schemeClr>
+            </a:solidFill>
+          </a:ln>
+        </p:spPr>
+        <p:style>
+          <a:lnRef idx="2">
+            <a:schemeClr val="accent1">
+              <a:shade val="50000"/>
+            </a:schemeClr>
+          </a:lnRef>
+          <a:fillRef idx="1">
+            <a:schemeClr val="accent1"/>
+          </a:fillRef>
+          <a:effectRef idx="0">
+            <a:schemeClr val="accent1"/>
+          </a:effectRef>
+          <a:fontRef idx="minor">
+            <a:schemeClr val="lt1"/>
+          </a:fontRef>
+        </p:style>
+        <p:txBody>
+          <a:bodyPr rtlCol="0" anchor="ctr"/>
+          <a:lstStyle/>
+          <a:p>
+            <a:pPr algn="ctr"/>
+            <a:endParaRPr lang="ko-KR" altLang="en-US" dirty="0"/>
+          </a:p>
+        </p:txBody>
+      </p:sp>
+      <p:sp>
+        <p:nvSpPr>
+          <p:cNvPr id="6" name="TextBox 5"/>
+          <p:cNvSpPr txBox="1"/>
+          <p:nvPr/>
+        </p:nvSpPr>
+        <p:spPr>
+          <a:xfrm>
+            <a:off x="1291673" y="139964"/>
+            <a:ext cx="5707012" cy="830997"/>
+          </a:xfrm>
+          <a:prstGeom prst="rect">
+            <a:avLst/>
+          </a:prstGeom>
+          <a:noFill/>
+        </p:spPr>
+        <p:txBody>
+          <a:bodyPr wrap="none" rtlCol="0">
+            <a:spAutoFit/>
+          </a:bodyPr>
+          <a:lstStyle/>
+          <a:p>
+            <a:r>
+              <a:rPr lang="en-US" altLang="ko-KR" sz="4800" dirty="0">
+                <a:solidFill>
+                  <a:schemeClr val="bg1">
+                    <a:lumMod val="95000"/>
+                  </a:schemeClr>
+                </a:solidFill>
+                <a:latin typeface="+mn-ea"/>
+              </a:rPr>
+              <a:t>2D </a:t>
+            </a:r>
+            <a:r>
+              <a:rPr lang="ko-KR" altLang="en-US" sz="4800" dirty="0">
+                <a:solidFill>
+                  <a:schemeClr val="bg1">
+                    <a:lumMod val="95000"/>
+                  </a:schemeClr>
+                </a:solidFill>
+                <a:latin typeface="+mn-ea"/>
+              </a:rPr>
+              <a:t>게임 프로그래밍</a:t>
+            </a:r>
+          </a:p>
+        </p:txBody>
+      </p:sp>
+      <p:sp>
+        <p:nvSpPr>
+          <p:cNvPr id="7" name="TextBox 6"/>
+          <p:cNvSpPr txBox="1"/>
+          <p:nvPr/>
+        </p:nvSpPr>
+        <p:spPr>
+          <a:xfrm>
+            <a:off x="-73113" y="1915603"/>
+            <a:ext cx="1524841" cy="3785652"/>
+          </a:xfrm>
+          <a:prstGeom prst="rect">
+            <a:avLst/>
+          </a:prstGeom>
+          <a:noFill/>
+        </p:spPr>
+        <p:txBody>
+          <a:bodyPr wrap="none" rtlCol="0">
+            <a:spAutoFit/>
+          </a:bodyPr>
+          <a:lstStyle/>
+          <a:p>
+            <a:pPr algn="r"/>
+            <a:r>
+              <a:rPr lang="ko-KR" altLang="en-US" b="1" u="sng" dirty="0">
+                <a:solidFill>
+                  <a:schemeClr val="bg1">
+                    <a:lumMod val="85000"/>
+                  </a:schemeClr>
+                </a:solidFill>
+              </a:rPr>
+              <a:t>게임 컨셉</a:t>
+            </a:r>
+            <a:endParaRPr lang="en-US" altLang="ko-KR" b="1" u="sng" dirty="0">
+              <a:solidFill>
+                <a:schemeClr val="bg1">
+                  <a:lumMod val="85000"/>
+                </a:schemeClr>
+              </a:solidFill>
+            </a:endParaRPr>
+          </a:p>
+          <a:p>
+            <a:pPr algn="r"/>
+            <a:endParaRPr lang="en-US" altLang="ko-KR" b="1" u="sng" dirty="0">
+              <a:solidFill>
+                <a:schemeClr val="bg1">
+                  <a:lumMod val="85000"/>
+                </a:schemeClr>
+              </a:solidFill>
+            </a:endParaRPr>
+          </a:p>
+          <a:p>
+            <a:pPr algn="r"/>
+            <a:endParaRPr lang="en-US" altLang="ko-KR" b="1" u="sng" dirty="0">
+              <a:solidFill>
+                <a:schemeClr val="bg1">
+                  <a:lumMod val="85000"/>
+                </a:schemeClr>
+              </a:solidFill>
+            </a:endParaRPr>
+          </a:p>
+          <a:p>
+            <a:pPr algn="r"/>
+            <a:endParaRPr lang="en-US" altLang="ko-KR" b="1" u="sng" dirty="0">
+              <a:solidFill>
+                <a:schemeClr val="bg1">
+                  <a:lumMod val="85000"/>
+                </a:schemeClr>
+              </a:solidFill>
+            </a:endParaRPr>
+          </a:p>
+          <a:p>
+            <a:pPr algn="r"/>
+            <a:r>
+              <a:rPr lang="ko-KR" altLang="en-US" b="1" u="sng" dirty="0">
+                <a:solidFill>
+                  <a:schemeClr val="bg1">
+                    <a:lumMod val="85000"/>
+                  </a:schemeClr>
+                </a:solidFill>
+              </a:rPr>
+              <a:t>예상 흐름</a:t>
+            </a:r>
+            <a:endParaRPr lang="en-US" altLang="ko-KR" b="1" u="sng" dirty="0">
+              <a:solidFill>
+                <a:schemeClr val="bg1">
+                  <a:lumMod val="85000"/>
+                </a:schemeClr>
+              </a:solidFill>
+            </a:endParaRPr>
+          </a:p>
+          <a:p>
+            <a:pPr algn="r"/>
+            <a:endParaRPr lang="en-US" altLang="ko-KR" b="1" u="sng" dirty="0">
+              <a:solidFill>
+                <a:schemeClr val="bg1">
+                  <a:lumMod val="85000"/>
+                </a:schemeClr>
+              </a:solidFill>
+            </a:endParaRPr>
+          </a:p>
+          <a:p>
+            <a:pPr algn="r"/>
+            <a:endParaRPr lang="en-US" altLang="ko-KR" b="1" u="sng" dirty="0">
+              <a:solidFill>
+                <a:schemeClr val="bg1">
+                  <a:lumMod val="85000"/>
+                </a:schemeClr>
+              </a:solidFill>
+            </a:endParaRPr>
+          </a:p>
+          <a:p>
+            <a:pPr algn="r"/>
+            <a:endParaRPr lang="en-US" altLang="ko-KR" b="1" u="sng" dirty="0">
+              <a:solidFill>
+                <a:schemeClr val="bg1">
+                  <a:lumMod val="85000"/>
+                </a:schemeClr>
+              </a:solidFill>
+            </a:endParaRPr>
+          </a:p>
+          <a:p>
+            <a:pPr algn="r"/>
+            <a:r>
+              <a:rPr lang="ko-KR" altLang="en-US" b="1" u="sng" dirty="0">
+                <a:solidFill>
+                  <a:schemeClr val="bg1">
+                    <a:lumMod val="85000"/>
+                  </a:schemeClr>
+                </a:solidFill>
+              </a:rPr>
+              <a:t>개발 범위</a:t>
+            </a:r>
+            <a:endParaRPr lang="en-US" altLang="ko-KR" b="1" u="sng" dirty="0">
+              <a:solidFill>
+                <a:schemeClr val="bg1">
+                  <a:lumMod val="85000"/>
+                </a:schemeClr>
+              </a:solidFill>
+            </a:endParaRPr>
+          </a:p>
+          <a:p>
+            <a:pPr algn="r"/>
+            <a:endParaRPr lang="en-US" altLang="ko-KR" b="1" u="sng" dirty="0">
+              <a:solidFill>
+                <a:schemeClr val="bg1">
+                  <a:lumMod val="85000"/>
+                </a:schemeClr>
+              </a:solidFill>
+            </a:endParaRPr>
+          </a:p>
+          <a:p>
+            <a:pPr algn="r"/>
+            <a:endParaRPr lang="en-US" altLang="ko-KR" b="1" u="sng" dirty="0">
+              <a:solidFill>
+                <a:schemeClr val="bg1">
+                  <a:lumMod val="85000"/>
+                </a:schemeClr>
+              </a:solidFill>
+            </a:endParaRPr>
+          </a:p>
+          <a:p>
+            <a:pPr algn="r"/>
+            <a:endParaRPr lang="en-US" altLang="ko-KR" b="1" u="sng" dirty="0">
+              <a:solidFill>
+                <a:schemeClr val="bg1">
+                  <a:lumMod val="85000"/>
+                </a:schemeClr>
+              </a:solidFill>
+            </a:endParaRPr>
+          </a:p>
+          <a:p>
+            <a:pPr algn="r"/>
+            <a:r>
+              <a:rPr lang="ko-KR" altLang="en-US" sz="2400" b="1" u="sng" dirty="0">
+                <a:solidFill>
+                  <a:schemeClr val="bg1">
+                    <a:lumMod val="85000"/>
+                  </a:schemeClr>
+                </a:solidFill>
+              </a:rPr>
+              <a:t>개발 일정</a:t>
+            </a:r>
+          </a:p>
+        </p:txBody>
+      </p:sp>
+      <p:pic>
+        <p:nvPicPr>
+          <p:cNvPr id="2" name="그림 1"/>
+          <p:cNvPicPr>
+            <a:picLocks noChangeAspect="1"/>
+          </p:cNvPicPr>
+          <p:nvPr/>
+        </p:nvPicPr>
+        <p:blipFill>
+          <a:blip r:embed="rId2">
+            <a:extLst>
+              <a:ext uri="{28A0092B-C50C-407E-A947-70E740481C1C}">
+                <a14:useLocalDpi xmlns:a14="http://schemas.microsoft.com/office/drawing/2010/main" val="0"/>
+              </a:ext>
+            </a:extLst>
+          </a:blip>
+          <a:stretch>
+            <a:fillRect/>
+          </a:stretch>
+        </p:blipFill>
+        <p:spPr>
+          <a:xfrm>
+            <a:off x="3068109" y="1605410"/>
+            <a:ext cx="7006091" cy="4406038"/>
+          </a:xfrm>
+          <a:prstGeom prst="rect">
+            <a:avLst/>
+          </a:prstGeom>
+        </p:spPr>
+      </p:pic>
+    </p:spTree>
+    <p:extLst>
+      <p:ext uri="{BB962C8B-B14F-4D97-AF65-F5344CB8AC3E}">
+        <p14:creationId xmlns:p14="http://schemas.microsoft.com/office/powerpoint/2010/main" val="3579606177"/>
       </p:ext>
     </p:extLst>
   </p:cSld>

--- a/2DGP_2차발표.pptx
+++ b/2DGP_2차발표.pptx
@@ -9,6 +9,7 @@
     <p:sldId id="263" r:id="rId3"/>
     <p:sldId id="264" r:id="rId4"/>
     <p:sldId id="266" r:id="rId5"/>
+    <p:sldId id="267" r:id="rId6"/>
   </p:sldIdLst>
   <p:sldSz cx="12192000" cy="6858000"/>
   <p:notesSz cx="6858000" cy="9144000"/>
@@ -244,7 +245,7 @@
           <a:p>
             <a:fld id="{DDCAF6E3-8CB9-46C2-A32B-20F00E196B9C}" type="datetimeFigureOut">
               <a:rPr lang="ko-KR" altLang="en-US" smtClean="0"/>
-              <a:t>2016-10-20</a:t>
+              <a:t>2016-10-21</a:t>
             </a:fld>
             <a:endParaRPr lang="ko-KR" altLang="en-US"/>
           </a:p>
@@ -412,7 +413,7 @@
           <a:p>
             <a:fld id="{DDCAF6E3-8CB9-46C2-A32B-20F00E196B9C}" type="datetimeFigureOut">
               <a:rPr lang="ko-KR" altLang="en-US" smtClean="0"/>
-              <a:t>2016-10-20</a:t>
+              <a:t>2016-10-21</a:t>
             </a:fld>
             <a:endParaRPr lang="ko-KR" altLang="en-US"/>
           </a:p>
@@ -590,7 +591,7 @@
           <a:p>
             <a:fld id="{DDCAF6E3-8CB9-46C2-A32B-20F00E196B9C}" type="datetimeFigureOut">
               <a:rPr lang="ko-KR" altLang="en-US" smtClean="0"/>
-              <a:t>2016-10-20</a:t>
+              <a:t>2016-10-21</a:t>
             </a:fld>
             <a:endParaRPr lang="ko-KR" altLang="en-US"/>
           </a:p>
@@ -758,7 +759,7 @@
           <a:p>
             <a:fld id="{DDCAF6E3-8CB9-46C2-A32B-20F00E196B9C}" type="datetimeFigureOut">
               <a:rPr lang="ko-KR" altLang="en-US" smtClean="0"/>
-              <a:t>2016-10-20</a:t>
+              <a:t>2016-10-21</a:t>
             </a:fld>
             <a:endParaRPr lang="ko-KR" altLang="en-US"/>
           </a:p>
@@ -1003,7 +1004,7 @@
           <a:p>
             <a:fld id="{DDCAF6E3-8CB9-46C2-A32B-20F00E196B9C}" type="datetimeFigureOut">
               <a:rPr lang="ko-KR" altLang="en-US" smtClean="0"/>
-              <a:t>2016-10-20</a:t>
+              <a:t>2016-10-21</a:t>
             </a:fld>
             <a:endParaRPr lang="ko-KR" altLang="en-US"/>
           </a:p>
@@ -1232,7 +1233,7 @@
           <a:p>
             <a:fld id="{DDCAF6E3-8CB9-46C2-A32B-20F00E196B9C}" type="datetimeFigureOut">
               <a:rPr lang="ko-KR" altLang="en-US" smtClean="0"/>
-              <a:t>2016-10-20</a:t>
+              <a:t>2016-10-21</a:t>
             </a:fld>
             <a:endParaRPr lang="ko-KR" altLang="en-US"/>
           </a:p>
@@ -1596,7 +1597,7 @@
           <a:p>
             <a:fld id="{DDCAF6E3-8CB9-46C2-A32B-20F00E196B9C}" type="datetimeFigureOut">
               <a:rPr lang="ko-KR" altLang="en-US" smtClean="0"/>
-              <a:t>2016-10-20</a:t>
+              <a:t>2016-10-21</a:t>
             </a:fld>
             <a:endParaRPr lang="ko-KR" altLang="en-US"/>
           </a:p>
@@ -1713,7 +1714,7 @@
           <a:p>
             <a:fld id="{DDCAF6E3-8CB9-46C2-A32B-20F00E196B9C}" type="datetimeFigureOut">
               <a:rPr lang="ko-KR" altLang="en-US" smtClean="0"/>
-              <a:t>2016-10-20</a:t>
+              <a:t>2016-10-21</a:t>
             </a:fld>
             <a:endParaRPr lang="ko-KR" altLang="en-US"/>
           </a:p>
@@ -1808,7 +1809,7 @@
           <a:p>
             <a:fld id="{DDCAF6E3-8CB9-46C2-A32B-20F00E196B9C}" type="datetimeFigureOut">
               <a:rPr lang="ko-KR" altLang="en-US" smtClean="0"/>
-              <a:t>2016-10-20</a:t>
+              <a:t>2016-10-21</a:t>
             </a:fld>
             <a:endParaRPr lang="ko-KR" altLang="en-US"/>
           </a:p>
@@ -2083,7 +2084,7 @@
           <a:p>
             <a:fld id="{DDCAF6E3-8CB9-46C2-A32B-20F00E196B9C}" type="datetimeFigureOut">
               <a:rPr lang="ko-KR" altLang="en-US" smtClean="0"/>
-              <a:t>2016-10-20</a:t>
+              <a:t>2016-10-21</a:t>
             </a:fld>
             <a:endParaRPr lang="ko-KR" altLang="en-US"/>
           </a:p>
@@ -2335,7 +2336,7 @@
           <a:p>
             <a:fld id="{DDCAF6E3-8CB9-46C2-A32B-20F00E196B9C}" type="datetimeFigureOut">
               <a:rPr lang="ko-KR" altLang="en-US" smtClean="0"/>
-              <a:t>2016-10-20</a:t>
+              <a:t>2016-10-21</a:t>
             </a:fld>
             <a:endParaRPr lang="ko-KR" altLang="en-US"/>
           </a:p>
@@ -2551,7 +2552,7 @@
           <a:p>
             <a:fld id="{DDCAF6E3-8CB9-46C2-A32B-20F00E196B9C}" type="datetimeFigureOut">
               <a:rPr lang="ko-KR" altLang="en-US" smtClean="0"/>
-              <a:t>2016-10-20</a:t>
+              <a:t>2016-10-21</a:t>
             </a:fld>
             <a:endParaRPr lang="ko-KR" altLang="en-US"/>
           </a:p>
@@ -3067,7 +3068,7 @@
         <p:spPr>
           <a:xfrm>
             <a:off x="1291673" y="139964"/>
-            <a:ext cx="5707012" cy="830997"/>
+            <a:ext cx="3877985" cy="830997"/>
           </a:xfrm>
           <a:prstGeom prst="rect">
             <a:avLst/>
@@ -3081,7 +3082,7 @@
           <a:lstStyle/>
           <a:p>
             <a:r>
-              <a:rPr lang="en-US" altLang="ko-KR" sz="4800" dirty="0">
+              <a:rPr lang="ko-KR" altLang="en-US" sz="4800" dirty="0" err="1">
                 <a:solidFill>
                   <a:schemeClr val="bg1">
                     <a:lumMod val="95000"/>
@@ -3089,19 +3090,16 @@
                 </a:solidFill>
                 <a:latin typeface="+mn-ea"/>
               </a:rPr>
-              <a:t>2D </a:t>
-            </a:r>
-            <a:r>
-              <a:rPr lang="ko-KR" altLang="en-US" sz="4800" dirty="0">
-                <a:solidFill>
-                  <a:schemeClr val="bg1">
-                    <a:lumMod val="95000"/>
-                  </a:schemeClr>
-                </a:solidFill>
-                <a:latin typeface="+mn-ea"/>
-              </a:rPr>
-              <a:t>게임 프로그래밍</a:t>
-            </a:r>
+              <a:t>아스테로이드</a:t>
+            </a:r>
+            <a:endParaRPr lang="ko-KR" altLang="en-US" sz="4800" dirty="0">
+              <a:solidFill>
+                <a:schemeClr val="bg1">
+                  <a:lumMod val="95000"/>
+                </a:schemeClr>
+              </a:solidFill>
+              <a:latin typeface="+mn-ea"/>
+            </a:endParaRPr>
           </a:p>
         </p:txBody>
       </p:sp>
@@ -3114,7 +3112,7 @@
         <p:spPr>
           <a:xfrm>
             <a:off x="-73112" y="1915603"/>
-            <a:ext cx="1524840" cy="3785652"/>
+            <a:ext cx="1524840" cy="4154984"/>
           </a:xfrm>
           <a:prstGeom prst="rect">
             <a:avLst/>
@@ -3186,7 +3184,7 @@
                   </a:schemeClr>
                 </a:solidFill>
               </a:rPr>
-              <a:t>예상 흐름</a:t>
+              <a:t>개발 범위</a:t>
             </a:r>
             <a:endParaRPr lang="en-US" altLang="ko-KR" b="1" u="sng" dirty="0">
               <a:solidFill>
@@ -3236,7 +3234,7 @@
                   </a:schemeClr>
                 </a:solidFill>
               </a:rPr>
-              <a:t>개발 범위</a:t>
+              <a:t>개발 일정</a:t>
             </a:r>
             <a:endParaRPr lang="en-US" altLang="ko-KR" b="1" u="sng" dirty="0">
               <a:solidFill>
@@ -3279,6 +3277,26 @@
           <a:p>
             <a:pPr algn="r"/>
             <a:r>
+              <a:rPr lang="en-US" altLang="ko-KR" b="1" u="sng" dirty="0" err="1">
+                <a:solidFill>
+                  <a:schemeClr val="bg1">
+                    <a:lumMod val="85000"/>
+                  </a:schemeClr>
+                </a:solidFill>
+              </a:rPr>
+              <a:t>Git</a:t>
+            </a:r>
+            <a:r>
+              <a:rPr lang="en-US" altLang="ko-KR" b="1" u="sng" dirty="0">
+                <a:solidFill>
+                  <a:schemeClr val="bg1">
+                    <a:lumMod val="85000"/>
+                  </a:schemeClr>
+                </a:solidFill>
+              </a:rPr>
+              <a:t> </a:t>
+            </a:r>
+            <a:r>
               <a:rPr lang="ko-KR" altLang="en-US" b="1" u="sng" dirty="0">
                 <a:solidFill>
                   <a:schemeClr val="bg1">
@@ -3286,8 +3304,18 @@
                   </a:schemeClr>
                 </a:solidFill>
               </a:rPr>
-              <a:t>개발 일정</a:t>
-            </a:r>
+              <a:t>통계</a:t>
+            </a:r>
+          </a:p>
+          <a:p>
+            <a:pPr algn="r"/>
+            <a:endParaRPr lang="ko-KR" altLang="en-US" b="1" u="sng" dirty="0">
+              <a:solidFill>
+                <a:schemeClr val="bg1">
+                  <a:lumMod val="85000"/>
+                </a:schemeClr>
+              </a:solidFill>
+            </a:endParaRPr>
           </a:p>
         </p:txBody>
       </p:sp>
@@ -3375,8 +3403,8 @@
         </p:nvSpPr>
         <p:spPr>
           <a:xfrm>
-            <a:off x="1919496" y="2372145"/>
-            <a:ext cx="9647193" cy="3231654"/>
+            <a:off x="1857133" y="3160711"/>
+            <a:ext cx="9304150" cy="2062103"/>
           </a:xfrm>
           <a:prstGeom prst="rect">
             <a:avLst/>
@@ -3389,291 +3417,192 @@
           </a:bodyPr>
           <a:lstStyle/>
           <a:p>
-            <a:r>
-              <a:rPr lang="en-US" altLang="ko-KR" sz="2800" dirty="0">
+            <a:pPr algn="ctr"/>
+            <a:r>
+              <a:rPr lang="en-US" altLang="ko-KR" sz="3200" dirty="0">
                 <a:solidFill>
                   <a:schemeClr val="tx1">
                     <a:lumMod val="65000"/>
                     <a:lumOff val="35000"/>
                   </a:schemeClr>
                 </a:solidFill>
+                <a:latin typeface="THE정고딕110" panose="02020603020101020101" pitchFamily="18" charset="-127"/>
+                <a:ea typeface="THE정고딕110" panose="02020603020101020101" pitchFamily="18" charset="-127"/>
               </a:rPr>
               <a:t>- </a:t>
             </a:r>
             <a:r>
-              <a:rPr lang="ko-KR" altLang="en-US" sz="2800" dirty="0">
+              <a:rPr lang="ko-KR" altLang="en-US" sz="3200" dirty="0">
                 <a:solidFill>
                   <a:schemeClr val="tx1">
                     <a:lumMod val="65000"/>
                     <a:lumOff val="35000"/>
                   </a:schemeClr>
                 </a:solidFill>
+                <a:latin typeface="THE정고딕110" panose="02020603020101020101" pitchFamily="18" charset="-127"/>
+                <a:ea typeface="THE정고딕110" panose="02020603020101020101" pitchFamily="18" charset="-127"/>
               </a:rPr>
               <a:t>옛날 고전게임인 </a:t>
             </a:r>
             <a:r>
-              <a:rPr lang="en-US" altLang="ko-KR" sz="2800" dirty="0">
+              <a:rPr lang="en-US" altLang="ko-KR" sz="3200" dirty="0">
                 <a:solidFill>
                   <a:schemeClr val="tx1">
                     <a:lumMod val="65000"/>
                     <a:lumOff val="35000"/>
                   </a:schemeClr>
                 </a:solidFill>
+                <a:latin typeface="THE정고딕110" panose="02020603020101020101" pitchFamily="18" charset="-127"/>
+                <a:ea typeface="THE정고딕110" panose="02020603020101020101" pitchFamily="18" charset="-127"/>
               </a:rPr>
               <a:t>Asteroids</a:t>
             </a:r>
             <a:r>
-              <a:rPr lang="ko-KR" altLang="en-US" sz="2800" dirty="0">
+              <a:rPr lang="ko-KR" altLang="en-US" sz="3200" dirty="0">
                 <a:solidFill>
                   <a:schemeClr val="tx1">
                     <a:lumMod val="65000"/>
                     <a:lumOff val="35000"/>
                   </a:schemeClr>
                 </a:solidFill>
+                <a:latin typeface="THE정고딕110" panose="02020603020101020101" pitchFamily="18" charset="-127"/>
+                <a:ea typeface="THE정고딕110" panose="02020603020101020101" pitchFamily="18" charset="-127"/>
               </a:rPr>
               <a:t>류의 </a:t>
             </a:r>
             <a:r>
-              <a:rPr lang="en-US" altLang="ko-KR" sz="2800" dirty="0">
+              <a:rPr lang="en-US" altLang="ko-KR" sz="3200" dirty="0">
                 <a:solidFill>
                   <a:schemeClr val="tx1">
                     <a:lumMod val="65000"/>
                     <a:lumOff val="35000"/>
                   </a:schemeClr>
                 </a:solidFill>
+                <a:latin typeface="THE정고딕110" panose="02020603020101020101" pitchFamily="18" charset="-127"/>
+                <a:ea typeface="THE정고딕110" panose="02020603020101020101" pitchFamily="18" charset="-127"/>
               </a:rPr>
               <a:t>2D </a:t>
             </a:r>
             <a:r>
-              <a:rPr lang="ko-KR" altLang="en-US" sz="2800" dirty="0">
+              <a:rPr lang="ko-KR" altLang="en-US" sz="3200" dirty="0">
                 <a:solidFill>
                   <a:schemeClr val="tx1">
                     <a:lumMod val="65000"/>
                     <a:lumOff val="35000"/>
                   </a:schemeClr>
                 </a:solidFill>
+                <a:latin typeface="THE정고딕110" panose="02020603020101020101" pitchFamily="18" charset="-127"/>
+                <a:ea typeface="THE정고딕110" panose="02020603020101020101" pitchFamily="18" charset="-127"/>
               </a:rPr>
               <a:t>슈팅게임</a:t>
             </a:r>
             <a:r>
-              <a:rPr lang="en-US" altLang="ko-KR" sz="2800" dirty="0">
+              <a:rPr lang="en-US" altLang="ko-KR" sz="3200" dirty="0">
                 <a:solidFill>
                   <a:schemeClr val="tx1">
                     <a:lumMod val="65000"/>
                     <a:lumOff val="35000"/>
                   </a:schemeClr>
                 </a:solidFill>
+                <a:latin typeface="THE정고딕110" panose="02020603020101020101" pitchFamily="18" charset="-127"/>
+                <a:ea typeface="THE정고딕110" panose="02020603020101020101" pitchFamily="18" charset="-127"/>
               </a:rPr>
               <a:t>.</a:t>
             </a:r>
           </a:p>
           <a:p>
-            <a:endParaRPr lang="en-US" altLang="ko-KR" sz="2800" dirty="0">
+            <a:pPr algn="ctr"/>
+            <a:endParaRPr lang="en-US" altLang="ko-KR" sz="3200" dirty="0">
               <a:solidFill>
                 <a:schemeClr val="tx1">
                   <a:lumMod val="65000"/>
                   <a:lumOff val="35000"/>
                 </a:schemeClr>
               </a:solidFill>
+              <a:latin typeface="THE정고딕110" panose="02020603020101020101" pitchFamily="18" charset="-127"/>
+              <a:ea typeface="THE정고딕110" panose="02020603020101020101" pitchFamily="18" charset="-127"/>
             </a:endParaRPr>
           </a:p>
           <a:p>
-            <a:r>
-              <a:rPr lang="en-US" altLang="ko-KR" sz="2800" dirty="0">
+            <a:pPr algn="ctr"/>
+            <a:r>
+              <a:rPr lang="en-US" altLang="ko-KR" sz="3200" dirty="0">
                 <a:solidFill>
                   <a:schemeClr val="tx1">
                     <a:lumMod val="65000"/>
                     <a:lumOff val="35000"/>
                   </a:schemeClr>
                 </a:solidFill>
+                <a:latin typeface="THE정고딕110" panose="02020603020101020101" pitchFamily="18" charset="-127"/>
+                <a:ea typeface="THE정고딕110" panose="02020603020101020101" pitchFamily="18" charset="-127"/>
               </a:rPr>
               <a:t>- </a:t>
             </a:r>
             <a:r>
-              <a:rPr lang="ko-KR" altLang="en-US" sz="2800" dirty="0">
+              <a:rPr lang="ko-KR" altLang="en-US" sz="3200" dirty="0">
                 <a:solidFill>
                   <a:schemeClr val="tx1">
                     <a:lumMod val="65000"/>
                     <a:lumOff val="35000"/>
                   </a:schemeClr>
                 </a:solidFill>
+                <a:latin typeface="THE정고딕110" panose="02020603020101020101" pitchFamily="18" charset="-127"/>
+                <a:ea typeface="THE정고딕110" panose="02020603020101020101" pitchFamily="18" charset="-127"/>
               </a:rPr>
               <a:t>새로운 무기를 얻고 적을 제거해가며 최대한 오래</a:t>
             </a:r>
-            <a:endParaRPr lang="en-US" altLang="ko-KR" sz="2800" dirty="0">
+            <a:endParaRPr lang="en-US" altLang="ko-KR" sz="3200" dirty="0">
               <a:solidFill>
                 <a:schemeClr val="tx1">
                   <a:lumMod val="65000"/>
                   <a:lumOff val="35000"/>
                 </a:schemeClr>
               </a:solidFill>
+              <a:latin typeface="THE정고딕110" panose="02020603020101020101" pitchFamily="18" charset="-127"/>
+              <a:ea typeface="THE정고딕110" panose="02020603020101020101" pitchFamily="18" charset="-127"/>
             </a:endParaRPr>
           </a:p>
           <a:p>
-            <a:r>
-              <a:rPr lang="en-US" altLang="ko-KR" sz="2800" dirty="0">
+            <a:pPr algn="ctr"/>
+            <a:r>
+              <a:rPr lang="en-US" altLang="ko-KR" sz="3200" dirty="0">
                 <a:solidFill>
                   <a:schemeClr val="tx1">
                     <a:lumMod val="65000"/>
                     <a:lumOff val="35000"/>
                   </a:schemeClr>
                 </a:solidFill>
+                <a:latin typeface="THE정고딕110" panose="02020603020101020101" pitchFamily="18" charset="-127"/>
+                <a:ea typeface="THE정고딕110" panose="02020603020101020101" pitchFamily="18" charset="-127"/>
               </a:rPr>
               <a:t>  </a:t>
             </a:r>
             <a:r>
-              <a:rPr lang="ko-KR" altLang="en-US" sz="2800" dirty="0">
+              <a:rPr lang="ko-KR" altLang="en-US" sz="3200" dirty="0">
                 <a:solidFill>
                   <a:schemeClr val="tx1">
                     <a:lumMod val="65000"/>
                     <a:lumOff val="35000"/>
                   </a:schemeClr>
                 </a:solidFill>
+                <a:latin typeface="THE정고딕110" panose="02020603020101020101" pitchFamily="18" charset="-127"/>
+                <a:ea typeface="THE정고딕110" panose="02020603020101020101" pitchFamily="18" charset="-127"/>
               </a:rPr>
               <a:t>생존하는 게임</a:t>
             </a:r>
             <a:r>
-              <a:rPr lang="en-US" altLang="ko-KR" sz="2800" dirty="0">
+              <a:rPr lang="en-US" altLang="ko-KR" sz="3200" dirty="0">
                 <a:solidFill>
                   <a:schemeClr val="tx1">
                     <a:lumMod val="65000"/>
                     <a:lumOff val="35000"/>
                   </a:schemeClr>
                 </a:solidFill>
+                <a:latin typeface="THE정고딕110" panose="02020603020101020101" pitchFamily="18" charset="-127"/>
+                <a:ea typeface="THE정고딕110" panose="02020603020101020101" pitchFamily="18" charset="-127"/>
               </a:rPr>
               <a:t>.</a:t>
             </a:r>
-          </a:p>
-          <a:p>
-            <a:endParaRPr lang="en-US" altLang="ko-KR" sz="2800" dirty="0">
-              <a:solidFill>
-                <a:schemeClr val="tx1">
-                  <a:lumMod val="65000"/>
-                  <a:lumOff val="35000"/>
-                </a:schemeClr>
-              </a:solidFill>
-            </a:endParaRPr>
-          </a:p>
-          <a:p>
-            <a:r>
-              <a:rPr lang="en-US" altLang="ko-KR" sz="2800" dirty="0">
-                <a:solidFill>
-                  <a:schemeClr val="tx1">
-                    <a:lumMod val="65000"/>
-                    <a:lumOff val="35000"/>
-                  </a:schemeClr>
-                </a:solidFill>
-              </a:rPr>
-              <a:t>- </a:t>
-            </a:r>
-            <a:r>
-              <a:rPr lang="ko-KR" altLang="en-US" sz="2800" dirty="0">
-                <a:solidFill>
-                  <a:schemeClr val="tx1">
-                    <a:lumMod val="65000"/>
-                    <a:lumOff val="35000"/>
-                  </a:schemeClr>
-                </a:solidFill>
-              </a:rPr>
-              <a:t>키보드를 이용하여 최대 </a:t>
-            </a:r>
-            <a:r>
-              <a:rPr lang="en-US" altLang="ko-KR" sz="2800" dirty="0">
-                <a:solidFill>
-                  <a:schemeClr val="tx1">
-                    <a:lumMod val="65000"/>
-                    <a:lumOff val="35000"/>
-                  </a:schemeClr>
-                </a:solidFill>
-              </a:rPr>
-              <a:t>2</a:t>
-            </a:r>
-            <a:r>
-              <a:rPr lang="ko-KR" altLang="en-US" sz="2800" dirty="0">
-                <a:solidFill>
-                  <a:schemeClr val="tx1">
-                    <a:lumMod val="65000"/>
-                    <a:lumOff val="35000"/>
-                  </a:schemeClr>
-                </a:solidFill>
-              </a:rPr>
-              <a:t>인 플레이를 할 수 있도록 구현</a:t>
-            </a:r>
-            <a:r>
-              <a:rPr lang="en-US" altLang="ko-KR" sz="2800" dirty="0">
-                <a:solidFill>
-                  <a:schemeClr val="tx1">
-                    <a:lumMod val="65000"/>
-                    <a:lumOff val="35000"/>
-                  </a:schemeClr>
-                </a:solidFill>
-              </a:rPr>
-              <a:t>.</a:t>
-            </a:r>
-          </a:p>
-          <a:p>
-            <a:endParaRPr lang="en-US" altLang="ko-KR" dirty="0">
-              <a:solidFill>
-                <a:schemeClr val="tx1">
-                  <a:lumMod val="65000"/>
-                  <a:lumOff val="35000"/>
-                </a:schemeClr>
-              </a:solidFill>
-            </a:endParaRPr>
-          </a:p>
-          <a:p>
-            <a:r>
-              <a:rPr lang="en-US" altLang="ko-KR" dirty="0">
-                <a:solidFill>
-                  <a:schemeClr val="tx1">
-                    <a:lumMod val="65000"/>
-                    <a:lumOff val="35000"/>
-                  </a:schemeClr>
-                </a:solidFill>
-              </a:rPr>
-              <a:t>*</a:t>
-            </a:r>
-            <a:r>
-              <a:rPr lang="ko-KR" altLang="en-US" dirty="0">
-                <a:solidFill>
-                  <a:schemeClr val="tx1">
-                    <a:lumMod val="65000"/>
-                    <a:lumOff val="35000"/>
-                  </a:schemeClr>
-                </a:solidFill>
-              </a:rPr>
-              <a:t>가능하다면 </a:t>
-            </a:r>
-            <a:r>
-              <a:rPr lang="en-US" altLang="ko-KR" dirty="0">
-                <a:solidFill>
-                  <a:schemeClr val="tx1">
-                    <a:lumMod val="65000"/>
-                    <a:lumOff val="35000"/>
-                  </a:schemeClr>
-                </a:solidFill>
-              </a:rPr>
-              <a:t>XBOX 360 </a:t>
-            </a:r>
-            <a:r>
-              <a:rPr lang="ko-KR" altLang="en-US" dirty="0">
-                <a:solidFill>
-                  <a:schemeClr val="tx1">
-                    <a:lumMod val="65000"/>
-                    <a:lumOff val="35000"/>
-                  </a:schemeClr>
-                </a:solidFill>
-              </a:rPr>
-              <a:t>컨트롤러로 플레이 할 수 있도록</a:t>
-            </a:r>
-            <a:endParaRPr lang="en-US" altLang="ko-KR" dirty="0">
-              <a:solidFill>
-                <a:schemeClr val="tx1">
-                  <a:lumMod val="65000"/>
-                  <a:lumOff val="35000"/>
-                </a:schemeClr>
-              </a:solidFill>
-            </a:endParaRPr>
           </a:p>
         </p:txBody>
       </p:sp>
@@ -3818,7 +3747,7 @@
         <p:spPr>
           <a:xfrm>
             <a:off x="1291673" y="139964"/>
-            <a:ext cx="5707012" cy="830997"/>
+            <a:ext cx="3877985" cy="830997"/>
           </a:xfrm>
           <a:prstGeom prst="rect">
             <a:avLst/>
@@ -3832,7 +3761,7 @@
           <a:lstStyle/>
           <a:p>
             <a:r>
-              <a:rPr lang="en-US" altLang="ko-KR" sz="4800" dirty="0">
+              <a:rPr lang="ko-KR" altLang="en-US" sz="4800" dirty="0" err="1">
                 <a:solidFill>
                   <a:schemeClr val="bg1">
                     <a:lumMod val="95000"/>
@@ -3840,19 +3769,16 @@
                 </a:solidFill>
                 <a:latin typeface="+mn-ea"/>
               </a:rPr>
-              <a:t>2D </a:t>
-            </a:r>
-            <a:r>
-              <a:rPr lang="ko-KR" altLang="en-US" sz="4800" dirty="0">
-                <a:solidFill>
-                  <a:schemeClr val="bg1">
-                    <a:lumMod val="95000"/>
-                  </a:schemeClr>
-                </a:solidFill>
-                <a:latin typeface="+mn-ea"/>
-              </a:rPr>
-              <a:t>게임 프로그래밍</a:t>
-            </a:r>
+              <a:t>아스테로이드</a:t>
+            </a:r>
+            <a:endParaRPr lang="ko-KR" altLang="en-US" sz="4800" dirty="0">
+              <a:solidFill>
+                <a:schemeClr val="bg1">
+                  <a:lumMod val="95000"/>
+                </a:schemeClr>
+              </a:solidFill>
+              <a:latin typeface="+mn-ea"/>
+            </a:endParaRPr>
           </a:p>
         </p:txBody>
       </p:sp>
@@ -3864,8 +3790,8 @@
         </p:nvSpPr>
         <p:spPr>
           <a:xfrm>
-            <a:off x="-73113" y="1915603"/>
-            <a:ext cx="1524841" cy="3785652"/>
+            <a:off x="-73112" y="1915603"/>
+            <a:ext cx="1524840" cy="3877985"/>
           </a:xfrm>
           <a:prstGeom prst="rect">
             <a:avLst/>
@@ -3930,16 +3856,16 @@
           <a:p>
             <a:pPr algn="r"/>
             <a:r>
-              <a:rPr lang="ko-KR" altLang="en-US" b="1" u="sng" dirty="0">
+              <a:rPr lang="ko-KR" altLang="en-US" sz="2400" b="1" u="sng" dirty="0">
                 <a:solidFill>
                   <a:schemeClr val="bg1">
                     <a:lumMod val="85000"/>
                   </a:schemeClr>
                 </a:solidFill>
               </a:rPr>
-              <a:t>예상 흐름</a:t>
-            </a:r>
-            <a:endParaRPr lang="en-US" altLang="ko-KR" b="1" u="sng" dirty="0">
+              <a:t>개발 범위</a:t>
+            </a:r>
+            <a:endParaRPr lang="en-US" altLang="ko-KR" sz="2400" b="1" u="sng" dirty="0">
               <a:solidFill>
                 <a:schemeClr val="bg1">
                   <a:lumMod val="85000"/>
@@ -3980,16 +3906,16 @@
           <a:p>
             <a:pPr algn="r"/>
             <a:r>
-              <a:rPr lang="ko-KR" altLang="en-US" sz="2400" b="1" u="sng" dirty="0">
+              <a:rPr lang="ko-KR" altLang="en-US" b="1" u="sng" dirty="0">
                 <a:solidFill>
                   <a:schemeClr val="bg1">
                     <a:lumMod val="85000"/>
                   </a:schemeClr>
                 </a:solidFill>
               </a:rPr>
-              <a:t>개발 범위</a:t>
-            </a:r>
-            <a:endParaRPr lang="en-US" altLang="ko-KR" sz="2400" b="1" u="sng" dirty="0">
+              <a:t>개발 일정</a:t>
+            </a:r>
+            <a:endParaRPr lang="en-US" altLang="ko-KR" b="1" u="sng" dirty="0">
               <a:solidFill>
                 <a:schemeClr val="bg1">
                   <a:lumMod val="85000"/>
@@ -4030,6 +3956,26 @@
           <a:p>
             <a:pPr algn="r"/>
             <a:r>
+              <a:rPr lang="en-US" altLang="ko-KR" b="1" u="sng" dirty="0" err="1">
+                <a:solidFill>
+                  <a:schemeClr val="bg1">
+                    <a:lumMod val="85000"/>
+                  </a:schemeClr>
+                </a:solidFill>
+              </a:rPr>
+              <a:t>Git</a:t>
+            </a:r>
+            <a:r>
+              <a:rPr lang="en-US" altLang="ko-KR" b="1" u="sng" dirty="0">
+                <a:solidFill>
+                  <a:schemeClr val="bg1">
+                    <a:lumMod val="85000"/>
+                  </a:schemeClr>
+                </a:solidFill>
+              </a:rPr>
+              <a:t> </a:t>
+            </a:r>
+            <a:r>
               <a:rPr lang="ko-KR" altLang="en-US" b="1" u="sng" dirty="0">
                 <a:solidFill>
                   <a:schemeClr val="bg1">
@@ -4037,426 +3983,617 @@
                   </a:schemeClr>
                 </a:solidFill>
               </a:rPr>
-              <a:t>개발 일정</a:t>
+              <a:t>통계</a:t>
             </a:r>
           </a:p>
         </p:txBody>
       </p:sp>
-      <p:sp>
-        <p:nvSpPr>
-          <p:cNvPr id="8" name="TextBox 7"/>
-          <p:cNvSpPr txBox="1"/>
-          <p:nvPr/>
-        </p:nvSpPr>
-        <p:spPr>
-          <a:xfrm>
-            <a:off x="2045617" y="1431013"/>
-            <a:ext cx="1970411" cy="584775"/>
-          </a:xfrm>
-          <a:prstGeom prst="rect">
-            <a:avLst/>
-          </a:prstGeom>
-          <a:noFill/>
-        </p:spPr>
-        <p:txBody>
-          <a:bodyPr wrap="none" rtlCol="0">
-            <a:spAutoFit/>
-          </a:bodyPr>
-          <a:lstStyle/>
-          <a:p>
-            <a:r>
-              <a:rPr lang="ko-KR" altLang="en-US" sz="3200" dirty="0">
-                <a:solidFill>
-                  <a:schemeClr val="tx1">
-                    <a:lumMod val="65000"/>
-                    <a:lumOff val="35000"/>
-                  </a:schemeClr>
-                </a:solidFill>
-                <a:latin typeface="+mj-ea"/>
-                <a:ea typeface="+mj-ea"/>
-              </a:rPr>
-              <a:t>개발 범위</a:t>
-            </a:r>
-          </a:p>
-        </p:txBody>
-      </p:sp>
-      <p:cxnSp>
-        <p:nvCxnSpPr>
-          <p:cNvPr id="10" name="직선 연결선 9"/>
-          <p:cNvCxnSpPr/>
-          <p:nvPr/>
-        </p:nvCxnSpPr>
-        <p:spPr>
-          <a:xfrm>
-            <a:off x="2045617" y="2015788"/>
-            <a:ext cx="8927183" cy="0"/>
-          </a:xfrm>
-          <a:prstGeom prst="line">
-            <a:avLst/>
-          </a:prstGeom>
-          <a:ln w="38100">
-            <a:solidFill>
-              <a:schemeClr val="bg1">
-                <a:lumMod val="65000"/>
-              </a:schemeClr>
-            </a:solidFill>
-            <a:prstDash val="sysDot"/>
-          </a:ln>
-        </p:spPr>
-        <p:style>
-          <a:lnRef idx="1">
-            <a:schemeClr val="accent1"/>
-          </a:lnRef>
-          <a:fillRef idx="0">
-            <a:schemeClr val="accent1"/>
-          </a:fillRef>
-          <a:effectRef idx="0">
-            <a:schemeClr val="accent1"/>
-          </a:effectRef>
-          <a:fontRef idx="minor">
-            <a:schemeClr val="tx1"/>
-          </a:fontRef>
-        </p:style>
-      </p:cxnSp>
-      <p:sp>
-        <p:nvSpPr>
-          <p:cNvPr id="11" name="TextBox 10"/>
-          <p:cNvSpPr txBox="1"/>
-          <p:nvPr/>
-        </p:nvSpPr>
-        <p:spPr>
-          <a:xfrm>
-            <a:off x="2045617" y="3423506"/>
-            <a:ext cx="8839279" cy="1077218"/>
-          </a:xfrm>
-          <a:prstGeom prst="rect">
-            <a:avLst/>
-          </a:prstGeom>
-          <a:noFill/>
-        </p:spPr>
-        <p:txBody>
-          <a:bodyPr wrap="none" rtlCol="0">
-            <a:spAutoFit/>
-          </a:bodyPr>
-          <a:lstStyle/>
-          <a:p>
-            <a:pPr algn="just"/>
-            <a:r>
-              <a:rPr lang="ko-KR" altLang="en-US" sz="3200" dirty="0">
-                <a:solidFill>
-                  <a:schemeClr val="tx1">
-                    <a:lumMod val="65000"/>
-                    <a:lumOff val="35000"/>
-                  </a:schemeClr>
-                </a:solidFill>
-              </a:rPr>
-              <a:t>방해물 </a:t>
-            </a:r>
-            <a:endParaRPr lang="en-US" altLang="ko-KR" sz="3200" dirty="0">
-              <a:solidFill>
-                <a:schemeClr val="tx1">
-                  <a:lumMod val="65000"/>
-                  <a:lumOff val="35000"/>
-                </a:schemeClr>
-              </a:solidFill>
-            </a:endParaRPr>
-          </a:p>
-          <a:p>
-            <a:pPr algn="just"/>
-            <a:r>
-              <a:rPr lang="en-US" altLang="ko-KR" sz="3200" dirty="0">
-                <a:solidFill>
-                  <a:schemeClr val="tx1">
-                    <a:lumMod val="65000"/>
-                    <a:lumOff val="35000"/>
-                  </a:schemeClr>
-                </a:solidFill>
-              </a:rPr>
-              <a:t>  - </a:t>
-            </a:r>
-            <a:r>
-              <a:rPr lang="ko-KR" altLang="en-US" sz="3200" dirty="0">
-                <a:solidFill>
-                  <a:schemeClr val="tx1">
-                    <a:lumMod val="65000"/>
-                    <a:lumOff val="35000"/>
-                  </a:schemeClr>
-                </a:solidFill>
-              </a:rPr>
-              <a:t>부유하는 운석</a:t>
-            </a:r>
-            <a:r>
-              <a:rPr lang="en-US" altLang="ko-KR" sz="3200" dirty="0">
-                <a:solidFill>
-                  <a:schemeClr val="tx1">
-                    <a:lumMod val="65000"/>
-                    <a:lumOff val="35000"/>
-                  </a:schemeClr>
-                </a:solidFill>
-              </a:rPr>
-              <a:t>, </a:t>
-            </a:r>
-            <a:r>
-              <a:rPr lang="ko-KR" altLang="en-US" sz="3200" dirty="0">
-                <a:solidFill>
-                  <a:schemeClr val="tx1">
-                    <a:lumMod val="65000"/>
-                    <a:lumOff val="35000"/>
-                  </a:schemeClr>
-                </a:solidFill>
-              </a:rPr>
-              <a:t>지나가거나 따라오는 우주선</a:t>
-            </a:r>
-            <a:endParaRPr lang="en-US" altLang="ko-KR" sz="3200" dirty="0">
-              <a:solidFill>
-                <a:schemeClr val="tx1">
-                  <a:lumMod val="65000"/>
-                  <a:lumOff val="35000"/>
-                </a:schemeClr>
-              </a:solidFill>
-            </a:endParaRPr>
-          </a:p>
-        </p:txBody>
-      </p:sp>
-      <p:sp>
-        <p:nvSpPr>
-          <p:cNvPr id="12" name="TextBox 11"/>
-          <p:cNvSpPr txBox="1"/>
-          <p:nvPr/>
-        </p:nvSpPr>
-        <p:spPr>
-          <a:xfrm>
-            <a:off x="2045617" y="4604418"/>
-            <a:ext cx="8073044" cy="1569660"/>
-          </a:xfrm>
-          <a:prstGeom prst="rect">
-            <a:avLst/>
-          </a:prstGeom>
-          <a:noFill/>
-        </p:spPr>
-        <p:txBody>
-          <a:bodyPr wrap="none" rtlCol="0">
-            <a:spAutoFit/>
-          </a:bodyPr>
-          <a:lstStyle/>
-          <a:p>
-            <a:pPr algn="just"/>
-            <a:r>
-              <a:rPr lang="ko-KR" altLang="en-US" sz="3200" dirty="0">
-                <a:solidFill>
-                  <a:schemeClr val="tx1">
-                    <a:lumMod val="65000"/>
-                    <a:lumOff val="35000"/>
-                  </a:schemeClr>
-                </a:solidFill>
-              </a:rPr>
-              <a:t>난이도 </a:t>
-            </a:r>
-            <a:endParaRPr lang="en-US" altLang="ko-KR" sz="3200" dirty="0">
-              <a:solidFill>
-                <a:schemeClr val="tx1">
-                  <a:lumMod val="65000"/>
-                  <a:lumOff val="35000"/>
-                </a:schemeClr>
-              </a:solidFill>
-            </a:endParaRPr>
-          </a:p>
-          <a:p>
-            <a:pPr algn="just"/>
-            <a:r>
-              <a:rPr lang="ko-KR" altLang="en-US" sz="3200" dirty="0">
-                <a:solidFill>
-                  <a:schemeClr val="tx1">
-                    <a:lumMod val="65000"/>
-                    <a:lumOff val="35000"/>
-                  </a:schemeClr>
-                </a:solidFill>
-              </a:rPr>
-              <a:t>  </a:t>
-            </a:r>
-            <a:r>
-              <a:rPr lang="en-US" altLang="ko-KR" sz="3200" dirty="0">
-                <a:solidFill>
-                  <a:schemeClr val="tx1">
-                    <a:lumMod val="65000"/>
-                    <a:lumOff val="35000"/>
-                  </a:schemeClr>
-                </a:solidFill>
-              </a:rPr>
-              <a:t>- </a:t>
-            </a:r>
-            <a:r>
-              <a:rPr lang="ko-KR" altLang="en-US" sz="3200" dirty="0">
-                <a:solidFill>
-                  <a:schemeClr val="tx1">
-                    <a:lumMod val="65000"/>
-                    <a:lumOff val="35000"/>
-                  </a:schemeClr>
-                </a:solidFill>
-              </a:rPr>
-              <a:t>시간에 따라 방해물의 종류가 늘어나고 </a:t>
-            </a:r>
-            <a:endParaRPr lang="en-US" altLang="ko-KR" sz="3200" dirty="0">
-              <a:solidFill>
-                <a:schemeClr val="tx1">
-                  <a:lumMod val="65000"/>
-                  <a:lumOff val="35000"/>
-                </a:schemeClr>
-              </a:solidFill>
-            </a:endParaRPr>
-          </a:p>
-          <a:p>
-            <a:pPr algn="just"/>
-            <a:r>
-              <a:rPr lang="en-US" altLang="ko-KR" sz="3200" dirty="0">
-                <a:solidFill>
-                  <a:schemeClr val="tx1">
-                    <a:lumMod val="65000"/>
-                    <a:lumOff val="35000"/>
-                  </a:schemeClr>
-                </a:solidFill>
-              </a:rPr>
-              <a:t>	</a:t>
-            </a:r>
-            <a:r>
-              <a:rPr lang="ko-KR" altLang="en-US" sz="3200" dirty="0">
-                <a:solidFill>
-                  <a:schemeClr val="tx1">
-                    <a:lumMod val="65000"/>
-                    <a:lumOff val="35000"/>
-                  </a:schemeClr>
-                </a:solidFill>
-              </a:rPr>
-              <a:t>개수가 많아진다</a:t>
-            </a:r>
-            <a:r>
-              <a:rPr lang="en-US" altLang="ko-KR" sz="3200" dirty="0">
-                <a:solidFill>
-                  <a:schemeClr val="tx1">
-                    <a:lumMod val="65000"/>
-                    <a:lumOff val="35000"/>
-                  </a:schemeClr>
-                </a:solidFill>
-              </a:rPr>
-              <a:t>.</a:t>
-            </a:r>
-          </a:p>
-        </p:txBody>
-      </p:sp>
-      <p:sp>
-        <p:nvSpPr>
-          <p:cNvPr id="13" name="TextBox 12"/>
-          <p:cNvSpPr txBox="1"/>
-          <p:nvPr/>
-        </p:nvSpPr>
-        <p:spPr>
-          <a:xfrm>
-            <a:off x="1973482" y="2119483"/>
-            <a:ext cx="9278694" cy="1200329"/>
-          </a:xfrm>
-          <a:prstGeom prst="rect">
-            <a:avLst/>
-          </a:prstGeom>
-          <a:noFill/>
-        </p:spPr>
-        <p:txBody>
-          <a:bodyPr wrap="none" rtlCol="0">
-            <a:spAutoFit/>
-          </a:bodyPr>
-          <a:lstStyle/>
-          <a:p>
-            <a:pPr algn="just"/>
-            <a:r>
-              <a:rPr lang="ko-KR" altLang="en-US" sz="3600" dirty="0">
-                <a:solidFill>
-                  <a:schemeClr val="tx1">
-                    <a:lumMod val="65000"/>
-                    <a:lumOff val="35000"/>
-                  </a:schemeClr>
-                </a:solidFill>
-              </a:rPr>
-              <a:t>플레이어</a:t>
-            </a:r>
-            <a:endParaRPr lang="en-US" altLang="ko-KR" sz="3600" dirty="0">
-              <a:solidFill>
-                <a:schemeClr val="tx1">
-                  <a:lumMod val="65000"/>
-                  <a:lumOff val="35000"/>
-                </a:schemeClr>
-              </a:solidFill>
-            </a:endParaRPr>
-          </a:p>
-          <a:p>
-            <a:pPr algn="just"/>
-            <a:r>
-              <a:rPr lang="en-US" altLang="ko-KR" sz="3600" dirty="0">
-                <a:solidFill>
-                  <a:schemeClr val="tx1">
-                    <a:lumMod val="65000"/>
-                    <a:lumOff val="35000"/>
-                  </a:schemeClr>
-                </a:solidFill>
-              </a:rPr>
-              <a:t>  </a:t>
-            </a:r>
-            <a:r>
-              <a:rPr lang="en-US" altLang="ko-KR" sz="3200" dirty="0">
-                <a:solidFill>
-                  <a:schemeClr val="tx1">
-                    <a:lumMod val="65000"/>
-                    <a:lumOff val="35000"/>
-                  </a:schemeClr>
-                </a:solidFill>
-              </a:rPr>
-              <a:t>- </a:t>
-            </a:r>
-            <a:r>
-              <a:rPr lang="ko-KR" altLang="en-US" sz="3200" dirty="0">
-                <a:solidFill>
-                  <a:schemeClr val="tx1">
-                    <a:lumMod val="65000"/>
-                    <a:lumOff val="35000"/>
-                  </a:schemeClr>
-                </a:solidFill>
-              </a:rPr>
-              <a:t>자동으로 이동하며 </a:t>
-            </a:r>
-            <a:r>
-              <a:rPr lang="en-US" altLang="ko-KR" sz="3200" dirty="0">
-                <a:solidFill>
-                  <a:schemeClr val="tx1">
-                    <a:lumMod val="65000"/>
-                    <a:lumOff val="35000"/>
-                  </a:schemeClr>
-                </a:solidFill>
-              </a:rPr>
-              <a:t>A, D</a:t>
-            </a:r>
-            <a:r>
-              <a:rPr lang="ko-KR" altLang="en-US" sz="3200" dirty="0">
-                <a:solidFill>
-                  <a:schemeClr val="tx1">
-                    <a:lumMod val="65000"/>
-                    <a:lumOff val="35000"/>
-                  </a:schemeClr>
-                </a:solidFill>
-              </a:rPr>
-              <a:t>키로 방향을 전환한다</a:t>
-            </a:r>
-            <a:r>
-              <a:rPr lang="en-US" altLang="ko-KR" sz="3200" dirty="0">
-                <a:solidFill>
-                  <a:schemeClr val="tx1">
-                    <a:lumMod val="65000"/>
-                    <a:lumOff val="35000"/>
-                  </a:schemeClr>
-                </a:solidFill>
-              </a:rPr>
-              <a:t>.</a:t>
-            </a:r>
-          </a:p>
-        </p:txBody>
-      </p:sp>
+      <p:graphicFrame>
+        <p:nvGraphicFramePr>
+          <p:cNvPr id="2" name="표 1"/>
+          <p:cNvGraphicFramePr>
+            <a:graphicFrameLocks noGrp="1"/>
+          </p:cNvGraphicFramePr>
+          <p:nvPr>
+            <p:extLst>
+              <p:ext uri="{D42A27DB-BD31-4B8C-83A1-F6EECF244321}">
+                <p14:modId xmlns:p14="http://schemas.microsoft.com/office/powerpoint/2010/main" val="3811124593"/>
+              </p:ext>
+            </p:extLst>
+          </p:nvPr>
+        </p:nvGraphicFramePr>
+        <p:xfrm>
+          <a:off x="2507268" y="1605410"/>
+          <a:ext cx="8128000" cy="4188177"/>
+        </p:xfrm>
+        <a:graphic>
+          <a:graphicData uri="http://schemas.openxmlformats.org/drawingml/2006/table">
+            <a:tbl>
+              <a:tblPr firstRow="1" bandRow="1">
+                <a:tableStyleId>{616DA210-FB5B-4158-B5E0-FEB733F419BA}</a:tableStyleId>
+              </a:tblPr>
+              <a:tblGrid>
+                <a:gridCol w="1727848">
+                  <a:extLst>
+                    <a:ext uri="{9D8B030D-6E8A-4147-A177-3AD203B41FA5}">
+                      <a16:colId xmlns:a16="http://schemas.microsoft.com/office/drawing/2014/main" val="3251146908"/>
+                    </a:ext>
+                  </a:extLst>
+                </a:gridCol>
+                <a:gridCol w="6400152">
+                  <a:extLst>
+                    <a:ext uri="{9D8B030D-6E8A-4147-A177-3AD203B41FA5}">
+                      <a16:colId xmlns:a16="http://schemas.microsoft.com/office/drawing/2014/main" val="2621755825"/>
+                    </a:ext>
+                  </a:extLst>
+                </a:gridCol>
+              </a:tblGrid>
+              <a:tr h="383129">
+                <a:tc>
+                  <a:txBody>
+                    <a:bodyPr/>
+                    <a:lstStyle/>
+                    <a:p>
+                      <a:pPr algn="ctr" latinLnBrk="1"/>
+                      <a:r>
+                        <a:rPr lang="ko-KR" altLang="en-US" dirty="0">
+                          <a:latin typeface="THE정고딕110" panose="02020603020101020101" pitchFamily="18" charset="-127"/>
+                          <a:ea typeface="THE정고딕110" panose="02020603020101020101" pitchFamily="18" charset="-127"/>
+                        </a:rPr>
+                        <a:t>내용</a:t>
+                      </a:r>
+                    </a:p>
+                  </a:txBody>
+                  <a:tcPr anchor="ctr"/>
+                </a:tc>
+                <a:tc>
+                  <a:txBody>
+                    <a:bodyPr/>
+                    <a:lstStyle/>
+                    <a:p>
+                      <a:pPr algn="ctr" latinLnBrk="1"/>
+                      <a:r>
+                        <a:rPr lang="ko-KR" altLang="en-US" dirty="0">
+                          <a:latin typeface="THE정고딕110" panose="02020603020101020101" pitchFamily="18" charset="-127"/>
+                          <a:ea typeface="THE정고딕110" panose="02020603020101020101" pitchFamily="18" charset="-127"/>
+                        </a:rPr>
+                        <a:t>범위</a:t>
+                      </a:r>
+                    </a:p>
+                  </a:txBody>
+                  <a:tcPr anchor="ctr"/>
+                </a:tc>
+                <a:extLst>
+                  <a:ext uri="{0D108BD9-81ED-4DB2-BD59-A6C34878D82A}">
+                    <a16:rowId xmlns:a16="http://schemas.microsoft.com/office/drawing/2014/main" val="1151425163"/>
+                  </a:ext>
+                </a:extLst>
+              </a:tr>
+              <a:tr h="383129">
+                <a:tc>
+                  <a:txBody>
+                    <a:bodyPr/>
+                    <a:lstStyle/>
+                    <a:p>
+                      <a:pPr latinLnBrk="1"/>
+                      <a:r>
+                        <a:rPr lang="ko-KR" altLang="en-US" dirty="0">
+                          <a:latin typeface="THE정고딕110" panose="02020603020101020101" pitchFamily="18" charset="-127"/>
+                          <a:ea typeface="THE정고딕110" panose="02020603020101020101" pitchFamily="18" charset="-127"/>
+                        </a:rPr>
+                        <a:t>배경</a:t>
+                      </a:r>
+                    </a:p>
+                  </a:txBody>
+                  <a:tcPr anchor="ctr"/>
+                </a:tc>
+                <a:tc>
+                  <a:txBody>
+                    <a:bodyPr/>
+                    <a:lstStyle/>
+                    <a:p>
+                      <a:pPr latinLnBrk="1"/>
+                      <a:r>
+                        <a:rPr lang="en-US" altLang="ko-KR" dirty="0" err="1">
+                          <a:latin typeface="THE정고딕110" panose="02020603020101020101" pitchFamily="18" charset="-127"/>
+                          <a:ea typeface="THE정고딕110" panose="02020603020101020101" pitchFamily="18" charset="-127"/>
+                        </a:rPr>
+                        <a:t>Main_gamestate</a:t>
+                      </a:r>
+                      <a:r>
+                        <a:rPr lang="ko-KR" altLang="en-US" dirty="0">
+                          <a:latin typeface="THE정고딕110" panose="02020603020101020101" pitchFamily="18" charset="-127"/>
+                          <a:ea typeface="THE정고딕110" panose="02020603020101020101" pitchFamily="18" charset="-127"/>
+                        </a:rPr>
+                        <a:t>의 배경 이미지 구현</a:t>
+                      </a:r>
+                    </a:p>
+                  </a:txBody>
+                  <a:tcPr anchor="ctr"/>
+                </a:tc>
+                <a:extLst>
+                  <a:ext uri="{0D108BD9-81ED-4DB2-BD59-A6C34878D82A}">
+                    <a16:rowId xmlns:a16="http://schemas.microsoft.com/office/drawing/2014/main" val="2843276225"/>
+                  </a:ext>
+                </a:extLst>
+              </a:tr>
+              <a:tr h="383129">
+                <a:tc>
+                  <a:txBody>
+                    <a:bodyPr/>
+                    <a:lstStyle/>
+                    <a:p>
+                      <a:pPr latinLnBrk="1"/>
+                      <a:r>
+                        <a:rPr lang="ko-KR" altLang="en-US" dirty="0">
+                          <a:latin typeface="THE정고딕110" panose="02020603020101020101" pitchFamily="18" charset="-127"/>
+                          <a:ea typeface="THE정고딕110" panose="02020603020101020101" pitchFamily="18" charset="-127"/>
+                        </a:rPr>
+                        <a:t>캐릭터</a:t>
+                      </a:r>
+                    </a:p>
+                  </a:txBody>
+                  <a:tcPr anchor="ctr"/>
+                </a:tc>
+                <a:tc>
+                  <a:txBody>
+                    <a:bodyPr/>
+                    <a:lstStyle/>
+                    <a:p>
+                      <a:pPr latinLnBrk="1"/>
+                      <a:r>
+                        <a:rPr lang="en-US" altLang="ko-KR" dirty="0">
+                          <a:latin typeface="THE정고딕110" panose="02020603020101020101" pitchFamily="18" charset="-127"/>
+                          <a:ea typeface="THE정고딕110" panose="02020603020101020101" pitchFamily="18" charset="-127"/>
+                        </a:rPr>
+                        <a:t>A,</a:t>
+                      </a:r>
+                      <a:r>
+                        <a:rPr lang="en-US" altLang="ko-KR" baseline="0" dirty="0">
+                          <a:latin typeface="THE정고딕110" panose="02020603020101020101" pitchFamily="18" charset="-127"/>
+                          <a:ea typeface="THE정고딕110" panose="02020603020101020101" pitchFamily="18" charset="-127"/>
+                        </a:rPr>
+                        <a:t> D</a:t>
+                      </a:r>
+                      <a:r>
+                        <a:rPr lang="ko-KR" altLang="en-US" baseline="0" dirty="0">
+                          <a:latin typeface="THE정고딕110" panose="02020603020101020101" pitchFamily="18" charset="-127"/>
+                          <a:ea typeface="THE정고딕110" panose="02020603020101020101" pitchFamily="18" charset="-127"/>
+                        </a:rPr>
+                        <a:t>키를 이용한 각 변경</a:t>
+                      </a:r>
+                      <a:r>
+                        <a:rPr lang="en-US" altLang="ko-KR" baseline="0" dirty="0">
+                          <a:latin typeface="THE정고딕110" panose="02020603020101020101" pitchFamily="18" charset="-127"/>
+                          <a:ea typeface="THE정고딕110" panose="02020603020101020101" pitchFamily="18" charset="-127"/>
+                        </a:rPr>
+                        <a:t> </a:t>
+                      </a:r>
+                      <a:r>
+                        <a:rPr lang="ko-KR" altLang="en-US" baseline="0" dirty="0">
+                          <a:latin typeface="THE정고딕110" panose="02020603020101020101" pitchFamily="18" charset="-127"/>
+                          <a:ea typeface="THE정고딕110" panose="02020603020101020101" pitchFamily="18" charset="-127"/>
+                        </a:rPr>
+                        <a:t>및 이미지의 회전 구현</a:t>
+                      </a:r>
+                      <a:endParaRPr lang="ko-KR" altLang="en-US" dirty="0">
+                        <a:latin typeface="THE정고딕110" panose="02020603020101020101" pitchFamily="18" charset="-127"/>
+                        <a:ea typeface="THE정고딕110" panose="02020603020101020101" pitchFamily="18" charset="-127"/>
+                      </a:endParaRPr>
+                    </a:p>
+                  </a:txBody>
+                  <a:tcPr anchor="ctr"/>
+                </a:tc>
+                <a:extLst>
+                  <a:ext uri="{0D108BD9-81ED-4DB2-BD59-A6C34878D82A}">
+                    <a16:rowId xmlns:a16="http://schemas.microsoft.com/office/drawing/2014/main" val="2899865418"/>
+                  </a:ext>
+                </a:extLst>
+              </a:tr>
+              <a:tr h="1228112">
+                <a:tc>
+                  <a:txBody>
+                    <a:bodyPr/>
+                    <a:lstStyle/>
+                    <a:p>
+                      <a:pPr latinLnBrk="1"/>
+                      <a:r>
+                        <a:rPr lang="ko-KR" altLang="en-US" dirty="0">
+                          <a:latin typeface="THE정고딕110" panose="02020603020101020101" pitchFamily="18" charset="-127"/>
+                          <a:ea typeface="THE정고딕110" panose="02020603020101020101" pitchFamily="18" charset="-127"/>
+                        </a:rPr>
+                        <a:t>게임 코어 기능</a:t>
+                      </a:r>
+                    </a:p>
+                  </a:txBody>
+                  <a:tcPr anchor="ctr"/>
+                </a:tc>
+                <a:tc>
+                  <a:txBody>
+                    <a:bodyPr/>
+                    <a:lstStyle/>
+                    <a:p>
+                      <a:pPr latinLnBrk="1"/>
+                      <a:r>
+                        <a:rPr lang="ko-KR" altLang="en-US" dirty="0">
+                          <a:latin typeface="THE정고딕110" panose="02020603020101020101" pitchFamily="18" charset="-127"/>
+                          <a:ea typeface="THE정고딕110" panose="02020603020101020101" pitchFamily="18" charset="-127"/>
+                        </a:rPr>
+                        <a:t>충돌</a:t>
+                      </a:r>
+                      <a:r>
+                        <a:rPr lang="ko-KR" altLang="en-US" baseline="0" dirty="0">
+                          <a:latin typeface="THE정고딕110" panose="02020603020101020101" pitchFamily="18" charset="-127"/>
+                          <a:ea typeface="THE정고딕110" panose="02020603020101020101" pitchFamily="18" charset="-127"/>
+                        </a:rPr>
+                        <a:t> 시 미치는 영향</a:t>
+                      </a:r>
+                      <a:r>
+                        <a:rPr lang="en-US" altLang="ko-KR" baseline="0" dirty="0">
+                          <a:latin typeface="THE정고딕110" panose="02020603020101020101" pitchFamily="18" charset="-127"/>
+                          <a:ea typeface="THE정고딕110" panose="02020603020101020101" pitchFamily="18" charset="-127"/>
+                        </a:rPr>
+                        <a:t>(</a:t>
+                      </a:r>
+                      <a:r>
+                        <a:rPr lang="ko-KR" altLang="en-US" baseline="0" dirty="0">
+                          <a:latin typeface="THE정고딕110" panose="02020603020101020101" pitchFamily="18" charset="-127"/>
+                          <a:ea typeface="THE정고딕110" panose="02020603020101020101" pitchFamily="18" charset="-127"/>
+                        </a:rPr>
+                        <a:t>탄과 적</a:t>
+                      </a:r>
+                      <a:r>
+                        <a:rPr lang="en-US" altLang="ko-KR" baseline="0" dirty="0">
+                          <a:latin typeface="THE정고딕110" panose="02020603020101020101" pitchFamily="18" charset="-127"/>
+                          <a:ea typeface="THE정고딕110" panose="02020603020101020101" pitchFamily="18" charset="-127"/>
+                        </a:rPr>
+                        <a:t>, </a:t>
+                      </a:r>
+                      <a:r>
+                        <a:rPr lang="ko-KR" altLang="en-US" baseline="0" dirty="0">
+                          <a:latin typeface="THE정고딕110" panose="02020603020101020101" pitchFamily="18" charset="-127"/>
+                          <a:ea typeface="THE정고딕110" panose="02020603020101020101" pitchFamily="18" charset="-127"/>
+                        </a:rPr>
+                        <a:t>적과 플레이어 등</a:t>
+                      </a:r>
+                      <a:r>
+                        <a:rPr lang="en-US" altLang="ko-KR" baseline="0" dirty="0">
+                          <a:latin typeface="THE정고딕110" panose="02020603020101020101" pitchFamily="18" charset="-127"/>
+                          <a:ea typeface="THE정고딕110" panose="02020603020101020101" pitchFamily="18" charset="-127"/>
+                        </a:rPr>
+                        <a:t>) </a:t>
+                      </a:r>
+                      <a:r>
+                        <a:rPr lang="ko-KR" altLang="en-US" baseline="0" dirty="0">
+                          <a:latin typeface="THE정고딕110" panose="02020603020101020101" pitchFamily="18" charset="-127"/>
+                          <a:ea typeface="THE정고딕110" panose="02020603020101020101" pitchFamily="18" charset="-127"/>
+                        </a:rPr>
+                        <a:t>구현</a:t>
+                      </a:r>
+                      <a:endParaRPr lang="en-US" altLang="ko-KR" baseline="0" dirty="0">
+                        <a:latin typeface="THE정고딕110" panose="02020603020101020101" pitchFamily="18" charset="-127"/>
+                        <a:ea typeface="THE정고딕110" panose="02020603020101020101" pitchFamily="18" charset="-127"/>
+                      </a:endParaRPr>
+                    </a:p>
+                    <a:p>
+                      <a:pPr latinLnBrk="1"/>
+                      <a:r>
+                        <a:rPr lang="ko-KR" altLang="en-US" baseline="0" dirty="0">
+                          <a:latin typeface="THE정고딕110" panose="02020603020101020101" pitchFamily="18" charset="-127"/>
+                          <a:ea typeface="THE정고딕110" panose="02020603020101020101" pitchFamily="18" charset="-127"/>
+                        </a:rPr>
+                        <a:t>플레이어가 맵 밖으로 나갈 때 제거</a:t>
+                      </a:r>
+                      <a:endParaRPr lang="en-US" altLang="ko-KR" baseline="0" dirty="0">
+                        <a:latin typeface="THE정고딕110" panose="02020603020101020101" pitchFamily="18" charset="-127"/>
+                        <a:ea typeface="THE정고딕110" panose="02020603020101020101" pitchFamily="18" charset="-127"/>
+                      </a:endParaRPr>
+                    </a:p>
+                    <a:p>
+                      <a:pPr latinLnBrk="1"/>
+                      <a:r>
+                        <a:rPr lang="ko-KR" altLang="en-US" baseline="0" dirty="0">
+                          <a:latin typeface="THE정고딕110" panose="02020603020101020101" pitchFamily="18" charset="-127"/>
+                          <a:ea typeface="THE정고딕110" panose="02020603020101020101" pitchFamily="18" charset="-127"/>
+                        </a:rPr>
+                        <a:t>점수와 생존 시간 체크</a:t>
+                      </a:r>
+                      <a:endParaRPr lang="en-US" altLang="ko-KR" baseline="0" dirty="0">
+                        <a:latin typeface="THE정고딕110" panose="02020603020101020101" pitchFamily="18" charset="-127"/>
+                        <a:ea typeface="THE정고딕110" panose="02020603020101020101" pitchFamily="18" charset="-127"/>
+                      </a:endParaRPr>
+                    </a:p>
+                    <a:p>
+                      <a:pPr latinLnBrk="1"/>
+                      <a:r>
+                        <a:rPr lang="ko-KR" altLang="en-US" baseline="0" dirty="0" err="1">
+                          <a:latin typeface="THE정고딕110" panose="02020603020101020101" pitchFamily="18" charset="-127"/>
+                          <a:ea typeface="THE정고딕110" panose="02020603020101020101" pitchFamily="18" charset="-127"/>
+                        </a:rPr>
+                        <a:t>파티클</a:t>
+                      </a:r>
+                      <a:r>
+                        <a:rPr lang="ko-KR" altLang="en-US" baseline="0" dirty="0">
+                          <a:latin typeface="THE정고딕110" panose="02020603020101020101" pitchFamily="18" charset="-127"/>
+                          <a:ea typeface="THE정고딕110" panose="02020603020101020101" pitchFamily="18" charset="-127"/>
+                        </a:rPr>
+                        <a:t> 생성 추가</a:t>
+                      </a:r>
+                      <a:endParaRPr lang="en-US" altLang="ko-KR" baseline="0" dirty="0">
+                        <a:latin typeface="THE정고딕110" panose="02020603020101020101" pitchFamily="18" charset="-127"/>
+                        <a:ea typeface="THE정고딕110" panose="02020603020101020101" pitchFamily="18" charset="-127"/>
+                      </a:endParaRPr>
+                    </a:p>
+                  </a:txBody>
+                  <a:tcPr anchor="ctr"/>
+                </a:tc>
+                <a:extLst>
+                  <a:ext uri="{0D108BD9-81ED-4DB2-BD59-A6C34878D82A}">
+                    <a16:rowId xmlns:a16="http://schemas.microsoft.com/office/drawing/2014/main" val="730020657"/>
+                  </a:ext>
+                </a:extLst>
+              </a:tr>
+              <a:tr h="383129">
+                <a:tc>
+                  <a:txBody>
+                    <a:bodyPr/>
+                    <a:lstStyle/>
+                    <a:p>
+                      <a:pPr latinLnBrk="1"/>
+                      <a:r>
+                        <a:rPr lang="ko-KR" altLang="en-US" dirty="0">
+                          <a:latin typeface="THE정고딕110" panose="02020603020101020101" pitchFamily="18" charset="-127"/>
+                          <a:ea typeface="THE정고딕110" panose="02020603020101020101" pitchFamily="18" charset="-127"/>
+                        </a:rPr>
+                        <a:t>그래픽</a:t>
+                      </a:r>
+                    </a:p>
+                  </a:txBody>
+                  <a:tcPr anchor="ctr"/>
+                </a:tc>
+                <a:tc>
+                  <a:txBody>
+                    <a:bodyPr/>
+                    <a:lstStyle/>
+                    <a:p>
+                      <a:pPr latinLnBrk="1"/>
+                      <a:r>
+                        <a:rPr lang="ko-KR" altLang="en-US" baseline="0" dirty="0">
+                          <a:latin typeface="THE정고딕110" panose="02020603020101020101" pitchFamily="18" charset="-127"/>
+                          <a:ea typeface="THE정고딕110" panose="02020603020101020101" pitchFamily="18" charset="-127"/>
+                        </a:rPr>
+                        <a:t>이미지 리소스 제작</a:t>
+                      </a:r>
+                      <a:endParaRPr lang="en-US" altLang="ko-KR" baseline="0" dirty="0">
+                        <a:latin typeface="THE정고딕110" panose="02020603020101020101" pitchFamily="18" charset="-127"/>
+                        <a:ea typeface="THE정고딕110" panose="02020603020101020101" pitchFamily="18" charset="-127"/>
+                      </a:endParaRPr>
+                    </a:p>
+                  </a:txBody>
+                  <a:tcPr anchor="ctr"/>
+                </a:tc>
+                <a:extLst>
+                  <a:ext uri="{0D108BD9-81ED-4DB2-BD59-A6C34878D82A}">
+                    <a16:rowId xmlns:a16="http://schemas.microsoft.com/office/drawing/2014/main" val="2320273390"/>
+                  </a:ext>
+                </a:extLst>
+              </a:tr>
+              <a:tr h="383129">
+                <a:tc>
+                  <a:txBody>
+                    <a:bodyPr/>
+                    <a:lstStyle/>
+                    <a:p>
+                      <a:pPr latinLnBrk="1"/>
+                      <a:r>
+                        <a:rPr lang="ko-KR" altLang="en-US" dirty="0">
+                          <a:latin typeface="THE정고딕110" panose="02020603020101020101" pitchFamily="18" charset="-127"/>
+                          <a:ea typeface="THE정고딕110" panose="02020603020101020101" pitchFamily="18" charset="-127"/>
+                        </a:rPr>
+                        <a:t>사운드</a:t>
+                      </a:r>
+                    </a:p>
+                  </a:txBody>
+                  <a:tcPr anchor="ctr"/>
+                </a:tc>
+                <a:tc>
+                  <a:txBody>
+                    <a:bodyPr/>
+                    <a:lstStyle/>
+                    <a:p>
+                      <a:pPr latinLnBrk="1"/>
+                      <a:r>
+                        <a:rPr lang="ko-KR" altLang="en-US" baseline="0" dirty="0">
+                          <a:latin typeface="THE정고딕110" panose="02020603020101020101" pitchFamily="18" charset="-127"/>
+                          <a:ea typeface="THE정고딕110" panose="02020603020101020101" pitchFamily="18" charset="-127"/>
+                        </a:rPr>
+                        <a:t>발사음</a:t>
+                      </a:r>
+                      <a:r>
+                        <a:rPr lang="en-US" altLang="ko-KR" baseline="0" dirty="0">
+                          <a:latin typeface="THE정고딕110" panose="02020603020101020101" pitchFamily="18" charset="-127"/>
+                          <a:ea typeface="THE정고딕110" panose="02020603020101020101" pitchFamily="18" charset="-127"/>
+                        </a:rPr>
+                        <a:t>, </a:t>
+                      </a:r>
+                      <a:r>
+                        <a:rPr lang="ko-KR" altLang="en-US" baseline="0" dirty="0" err="1">
+                          <a:latin typeface="THE정고딕110" panose="02020603020101020101" pitchFamily="18" charset="-127"/>
+                          <a:ea typeface="THE정고딕110" panose="02020603020101020101" pitchFamily="18" charset="-127"/>
+                        </a:rPr>
+                        <a:t>파괴음</a:t>
+                      </a:r>
+                      <a:r>
+                        <a:rPr lang="ko-KR" altLang="en-US" baseline="0" dirty="0">
+                          <a:latin typeface="THE정고딕110" panose="02020603020101020101" pitchFamily="18" charset="-127"/>
+                          <a:ea typeface="THE정고딕110" panose="02020603020101020101" pitchFamily="18" charset="-127"/>
+                        </a:rPr>
+                        <a:t> 등 제작</a:t>
+                      </a:r>
+                      <a:endParaRPr lang="en-US" altLang="ko-KR" baseline="0" dirty="0">
+                        <a:latin typeface="THE정고딕110" panose="02020603020101020101" pitchFamily="18" charset="-127"/>
+                        <a:ea typeface="THE정고딕110" panose="02020603020101020101" pitchFamily="18" charset="-127"/>
+                      </a:endParaRPr>
+                    </a:p>
+                  </a:txBody>
+                  <a:tcPr anchor="ctr"/>
+                </a:tc>
+                <a:extLst>
+                  <a:ext uri="{0D108BD9-81ED-4DB2-BD59-A6C34878D82A}">
+                    <a16:rowId xmlns:a16="http://schemas.microsoft.com/office/drawing/2014/main" val="3734274204"/>
+                  </a:ext>
+                </a:extLst>
+              </a:tr>
+              <a:tr h="661291">
+                <a:tc>
+                  <a:txBody>
+                    <a:bodyPr/>
+                    <a:lstStyle/>
+                    <a:p>
+                      <a:pPr latinLnBrk="1"/>
+                      <a:r>
+                        <a:rPr lang="ko-KR" altLang="en-US" dirty="0">
+                          <a:latin typeface="THE정고딕110" panose="02020603020101020101" pitchFamily="18" charset="-127"/>
+                          <a:ea typeface="THE정고딕110" panose="02020603020101020101" pitchFamily="18" charset="-127"/>
+                        </a:rPr>
+                        <a:t>화면</a:t>
+                      </a:r>
+                    </a:p>
+                  </a:txBody>
+                  <a:tcPr anchor="ctr"/>
+                </a:tc>
+                <a:tc>
+                  <a:txBody>
+                    <a:bodyPr/>
+                    <a:lstStyle/>
+                    <a:p>
+                      <a:pPr latinLnBrk="1"/>
+                      <a:r>
+                        <a:rPr lang="ko-KR" altLang="en-US" baseline="0" dirty="0" err="1">
+                          <a:latin typeface="THE정고딕110" panose="02020603020101020101" pitchFamily="18" charset="-127"/>
+                          <a:ea typeface="THE정고딕110" panose="02020603020101020101" pitchFamily="18" charset="-127"/>
+                        </a:rPr>
+                        <a:t>메인화면</a:t>
+                      </a:r>
+                      <a:r>
+                        <a:rPr lang="en-US" altLang="ko-KR" baseline="0" dirty="0">
+                          <a:latin typeface="THE정고딕110" panose="02020603020101020101" pitchFamily="18" charset="-127"/>
+                          <a:ea typeface="THE정고딕110" panose="02020603020101020101" pitchFamily="18" charset="-127"/>
+                        </a:rPr>
+                        <a:t>, </a:t>
+                      </a:r>
+                      <a:r>
+                        <a:rPr lang="ko-KR" altLang="en-US" baseline="0" dirty="0">
+                          <a:latin typeface="THE정고딕110" panose="02020603020101020101" pitchFamily="18" charset="-127"/>
+                          <a:ea typeface="THE정고딕110" panose="02020603020101020101" pitchFamily="18" charset="-127"/>
+                        </a:rPr>
+                        <a:t>캐릭터 선택화면</a:t>
+                      </a:r>
+                      <a:r>
+                        <a:rPr lang="en-US" altLang="ko-KR" baseline="0" dirty="0">
+                          <a:latin typeface="THE정고딕110" panose="02020603020101020101" pitchFamily="18" charset="-127"/>
+                          <a:ea typeface="THE정고딕110" panose="02020603020101020101" pitchFamily="18" charset="-127"/>
+                        </a:rPr>
+                        <a:t>, </a:t>
+                      </a:r>
+                      <a:r>
+                        <a:rPr lang="ko-KR" altLang="en-US" baseline="0" dirty="0">
+                          <a:latin typeface="THE정고딕110" panose="02020603020101020101" pitchFamily="18" charset="-127"/>
+                          <a:ea typeface="THE정고딕110" panose="02020603020101020101" pitchFamily="18" charset="-127"/>
+                        </a:rPr>
+                        <a:t>실 플레이 화면</a:t>
+                      </a:r>
+                      <a:r>
+                        <a:rPr lang="en-US" altLang="ko-KR" baseline="0" dirty="0">
+                          <a:latin typeface="THE정고딕110" panose="02020603020101020101" pitchFamily="18" charset="-127"/>
+                          <a:ea typeface="THE정고딕110" panose="02020603020101020101" pitchFamily="18" charset="-127"/>
+                        </a:rPr>
+                        <a:t>, </a:t>
+                      </a:r>
+                      <a:r>
+                        <a:rPr lang="ko-KR" altLang="en-US" baseline="0" dirty="0">
+                          <a:latin typeface="THE정고딕110" panose="02020603020101020101" pitchFamily="18" charset="-127"/>
+                          <a:ea typeface="THE정고딕110" panose="02020603020101020101" pitchFamily="18" charset="-127"/>
+                        </a:rPr>
+                        <a:t>랭크보드 화면</a:t>
+                      </a:r>
+                      <a:r>
+                        <a:rPr lang="en-US" altLang="ko-KR" baseline="0" dirty="0">
+                          <a:latin typeface="THE정고딕110" panose="02020603020101020101" pitchFamily="18" charset="-127"/>
+                          <a:ea typeface="THE정고딕110" panose="02020603020101020101" pitchFamily="18" charset="-127"/>
+                        </a:rPr>
+                        <a:t>, </a:t>
+                      </a:r>
+                      <a:r>
+                        <a:rPr lang="ko-KR" altLang="en-US" baseline="0" dirty="0">
+                          <a:latin typeface="THE정고딕110" panose="02020603020101020101" pitchFamily="18" charset="-127"/>
+                          <a:ea typeface="THE정고딕110" panose="02020603020101020101" pitchFamily="18" charset="-127"/>
+                        </a:rPr>
+                        <a:t>옵션화면 등 구현</a:t>
+                      </a:r>
+                      <a:endParaRPr lang="en-US" altLang="ko-KR" baseline="0" dirty="0">
+                        <a:latin typeface="THE정고딕110" panose="02020603020101020101" pitchFamily="18" charset="-127"/>
+                        <a:ea typeface="THE정고딕110" panose="02020603020101020101" pitchFamily="18" charset="-127"/>
+                      </a:endParaRPr>
+                    </a:p>
+                  </a:txBody>
+                  <a:tcPr anchor="ctr"/>
+                </a:tc>
+                <a:extLst>
+                  <a:ext uri="{0D108BD9-81ED-4DB2-BD59-A6C34878D82A}">
+                    <a16:rowId xmlns:a16="http://schemas.microsoft.com/office/drawing/2014/main" val="3424859025"/>
+                  </a:ext>
+                </a:extLst>
+              </a:tr>
+              <a:tr h="383129">
+                <a:tc>
+                  <a:txBody>
+                    <a:bodyPr/>
+                    <a:lstStyle/>
+                    <a:p>
+                      <a:pPr latinLnBrk="1"/>
+                      <a:r>
+                        <a:rPr lang="ko-KR" altLang="en-US" dirty="0">
+                          <a:latin typeface="THE정고딕110" panose="02020603020101020101" pitchFamily="18" charset="-127"/>
+                          <a:ea typeface="THE정고딕110" panose="02020603020101020101" pitchFamily="18" charset="-127"/>
+                        </a:rPr>
+                        <a:t>옵션</a:t>
+                      </a:r>
+                    </a:p>
+                  </a:txBody>
+                  <a:tcPr anchor="ctr"/>
+                </a:tc>
+                <a:tc>
+                  <a:txBody>
+                    <a:bodyPr/>
+                    <a:lstStyle/>
+                    <a:p>
+                      <a:pPr latinLnBrk="1"/>
+                      <a:r>
+                        <a:rPr lang="ko-KR" altLang="en-US" baseline="0" dirty="0">
+                          <a:latin typeface="THE정고딕110" panose="02020603020101020101" pitchFamily="18" charset="-127"/>
+                          <a:ea typeface="THE정고딕110" panose="02020603020101020101" pitchFamily="18" charset="-127"/>
+                        </a:rPr>
+                        <a:t>해상도 설정과 사운드 볼륨 구현</a:t>
+                      </a:r>
+                      <a:endParaRPr lang="en-US" altLang="ko-KR" baseline="0" dirty="0">
+                        <a:latin typeface="THE정고딕110" panose="02020603020101020101" pitchFamily="18" charset="-127"/>
+                        <a:ea typeface="THE정고딕110" panose="02020603020101020101" pitchFamily="18" charset="-127"/>
+                      </a:endParaRPr>
+                    </a:p>
+                  </a:txBody>
+                  <a:tcPr anchor="ctr"/>
+                </a:tc>
+                <a:extLst>
+                  <a:ext uri="{0D108BD9-81ED-4DB2-BD59-A6C34878D82A}">
+                    <a16:rowId xmlns:a16="http://schemas.microsoft.com/office/drawing/2014/main" val="4261187743"/>
+                  </a:ext>
+                </a:extLst>
+              </a:tr>
+            </a:tbl>
+          </a:graphicData>
+        </a:graphic>
+      </p:graphicFrame>
     </p:spTree>
     <p:extLst>
       <p:ext uri="{BB962C8B-B14F-4D97-AF65-F5344CB8AC3E}">
@@ -4598,7 +4735,7 @@
         <p:spPr>
           <a:xfrm>
             <a:off x="1291673" y="139964"/>
-            <a:ext cx="5707012" cy="830997"/>
+            <a:ext cx="3877985" cy="830997"/>
           </a:xfrm>
           <a:prstGeom prst="rect">
             <a:avLst/>
@@ -4612,7 +4749,7 @@
           <a:lstStyle/>
           <a:p>
             <a:r>
-              <a:rPr lang="en-US" altLang="ko-KR" sz="4800" dirty="0">
+              <a:rPr lang="ko-KR" altLang="en-US" sz="4800" dirty="0" err="1">
                 <a:solidFill>
                   <a:schemeClr val="bg1">
                     <a:lumMod val="95000"/>
@@ -4620,19 +4757,16 @@
                 </a:solidFill>
                 <a:latin typeface="+mn-ea"/>
               </a:rPr>
-              <a:t>2D </a:t>
-            </a:r>
-            <a:r>
-              <a:rPr lang="ko-KR" altLang="en-US" sz="4800" dirty="0">
-                <a:solidFill>
-                  <a:schemeClr val="bg1">
-                    <a:lumMod val="95000"/>
-                  </a:schemeClr>
-                </a:solidFill>
-                <a:latin typeface="+mn-ea"/>
-              </a:rPr>
-              <a:t>게임 프로그래밍</a:t>
-            </a:r>
+              <a:t>아스테로이드</a:t>
+            </a:r>
+            <a:endParaRPr lang="ko-KR" altLang="en-US" sz="4800" dirty="0">
+              <a:solidFill>
+                <a:schemeClr val="bg1">
+                  <a:lumMod val="95000"/>
+                </a:schemeClr>
+              </a:solidFill>
+              <a:latin typeface="+mn-ea"/>
+            </a:endParaRPr>
           </a:p>
         </p:txBody>
       </p:sp>
@@ -4644,8 +4778,8 @@
         </p:nvSpPr>
         <p:spPr>
           <a:xfrm>
-            <a:off x="-73113" y="1915603"/>
-            <a:ext cx="1524841" cy="3785652"/>
+            <a:off x="-73112" y="1915603"/>
+            <a:ext cx="1524840" cy="3877985"/>
           </a:xfrm>
           <a:prstGeom prst="rect">
             <a:avLst/>
@@ -4717,7 +4851,7 @@
                   </a:schemeClr>
                 </a:solidFill>
               </a:rPr>
-              <a:t>예상 흐름</a:t>
+              <a:t>개발 범위</a:t>
             </a:r>
             <a:endParaRPr lang="en-US" altLang="ko-KR" b="1" u="sng" dirty="0">
               <a:solidFill>
@@ -4760,16 +4894,16 @@
           <a:p>
             <a:pPr algn="r"/>
             <a:r>
-              <a:rPr lang="ko-KR" altLang="en-US" b="1" u="sng" dirty="0">
+              <a:rPr lang="ko-KR" altLang="en-US" sz="2400" b="1" u="sng" dirty="0">
                 <a:solidFill>
                   <a:schemeClr val="bg1">
                     <a:lumMod val="85000"/>
                   </a:schemeClr>
                 </a:solidFill>
               </a:rPr>
-              <a:t>개발 범위</a:t>
-            </a:r>
-            <a:endParaRPr lang="en-US" altLang="ko-KR" b="1" u="sng" dirty="0">
+              <a:t>개발 일정</a:t>
+            </a:r>
+            <a:endParaRPr lang="en-US" altLang="ko-KR" sz="2400" b="1" u="sng" dirty="0">
               <a:solidFill>
                 <a:schemeClr val="bg1">
                   <a:lumMod val="85000"/>
@@ -4810,14 +4944,34 @@
           <a:p>
             <a:pPr algn="r"/>
             <a:r>
-              <a:rPr lang="ko-KR" altLang="en-US" sz="2400" b="1" u="sng" dirty="0">
+              <a:rPr lang="en-US" altLang="ko-KR" b="1" u="sng" dirty="0" err="1">
                 <a:solidFill>
                   <a:schemeClr val="bg1">
                     <a:lumMod val="85000"/>
                   </a:schemeClr>
                 </a:solidFill>
               </a:rPr>
-              <a:t>개발 일정</a:t>
+              <a:t>Git</a:t>
+            </a:r>
+            <a:r>
+              <a:rPr lang="en-US" altLang="ko-KR" b="1" u="sng" dirty="0">
+                <a:solidFill>
+                  <a:schemeClr val="bg1">
+                    <a:lumMod val="85000"/>
+                  </a:schemeClr>
+                </a:solidFill>
+              </a:rPr>
+              <a:t> </a:t>
+            </a:r>
+            <a:r>
+              <a:rPr lang="ko-KR" altLang="en-US" b="1" u="sng" dirty="0">
+                <a:solidFill>
+                  <a:schemeClr val="bg1">
+                    <a:lumMod val="85000"/>
+                  </a:schemeClr>
+                </a:solidFill>
+              </a:rPr>
+              <a:t>통계</a:t>
             </a:r>
           </a:p>
         </p:txBody>
@@ -4831,7 +4985,7 @@
           <p:nvPr>
             <p:extLst>
               <p:ext uri="{D42A27DB-BD31-4B8C-83A1-F6EECF244321}">
-                <p14:modId xmlns:p14="http://schemas.microsoft.com/office/powerpoint/2010/main" val="2344665861"/>
+                <p14:modId xmlns:p14="http://schemas.microsoft.com/office/powerpoint/2010/main" val="4107553926"/>
               </p:ext>
             </p:extLst>
           </p:nvPr>
@@ -6536,6 +6690,61 @@
                     <a:lstStyle/>
                     <a:p>
                       <a:pPr algn="ctr" latinLnBrk="1"/>
+                      <a:r>
+                        <a:rPr lang="en-US" altLang="ko-KR" sz="1000" b="0" dirty="0">
+                          <a:solidFill>
+                            <a:schemeClr val="tx1">
+                              <a:lumMod val="65000"/>
+                              <a:lumOff val="35000"/>
+                            </a:schemeClr>
+                          </a:solidFill>
+                        </a:rPr>
+                        <a:t>Enemy3</a:t>
+                      </a:r>
+                      <a:r>
+                        <a:rPr lang="ko-KR" altLang="en-US" sz="1000" b="0" dirty="0">
+                          <a:solidFill>
+                            <a:schemeClr val="tx1">
+                              <a:lumMod val="65000"/>
+                              <a:lumOff val="35000"/>
+                            </a:schemeClr>
+                          </a:solidFill>
+                        </a:rPr>
+                        <a:t>가 </a:t>
+                      </a:r>
+                      <a:r>
+                        <a:rPr lang="en-US" altLang="ko-KR" sz="1000" b="0" dirty="0">
+                          <a:solidFill>
+                            <a:schemeClr val="tx1">
+                              <a:lumMod val="65000"/>
+                              <a:lumOff val="35000"/>
+                            </a:schemeClr>
+                          </a:solidFill>
+                        </a:rPr>
+                        <a:t>Player</a:t>
+                      </a:r>
+                      <a:r>
+                        <a:rPr lang="ko-KR" altLang="en-US" sz="1000" b="0" dirty="0">
+                          <a:solidFill>
+                            <a:schemeClr val="tx1">
+                              <a:lumMod val="65000"/>
+                              <a:lumOff val="35000"/>
+                            </a:schemeClr>
+                          </a:solidFill>
+                        </a:rPr>
+                        <a:t>를</a:t>
+                      </a:r>
+                      <a:r>
+                        <a:rPr lang="ko-KR" altLang="en-US" sz="1000" b="0" baseline="0" dirty="0">
+                          <a:solidFill>
+                            <a:schemeClr val="tx1">
+                              <a:lumMod val="65000"/>
+                              <a:lumOff val="35000"/>
+                            </a:schemeClr>
+                          </a:solidFill>
+                        </a:rPr>
+                        <a:t> 향해 이동하도록 구현</a:t>
+                      </a:r>
                       <a:endParaRPr lang="ko-KR" altLang="en-US" sz="1000" b="0" dirty="0">
                         <a:solidFill>
                           <a:schemeClr val="tx1">
@@ -7086,14 +7295,50 @@
                     <a:lstStyle/>
                     <a:p>
                       <a:pPr algn="ctr" latinLnBrk="1"/>
-                      <a:endParaRPr lang="ko-KR" altLang="en-US" sz="1000" b="0" dirty="0">
-                        <a:solidFill>
-                          <a:schemeClr val="tx1">
-                            <a:lumMod val="65000"/>
-                            <a:lumOff val="35000"/>
-                          </a:schemeClr>
-                        </a:solidFill>
-                      </a:endParaRPr>
+                      <a:r>
+                        <a:rPr lang="en-US" altLang="ko-KR" sz="1000" b="0" dirty="0">
+                          <a:solidFill>
+                            <a:schemeClr val="tx1">
+                              <a:lumMod val="65000"/>
+                              <a:lumOff val="35000"/>
+                            </a:schemeClr>
+                          </a:solidFill>
+                        </a:rPr>
+                        <a:t>Enemy3</a:t>
+                      </a:r>
+                      <a:r>
+                        <a:rPr lang="ko-KR" altLang="en-US" sz="1000" b="0" dirty="0">
+                          <a:solidFill>
+                            <a:schemeClr val="tx1">
+                              <a:lumMod val="65000"/>
+                              <a:lumOff val="35000"/>
+                            </a:schemeClr>
+                          </a:solidFill>
+                        </a:rPr>
+                        <a:t>가 </a:t>
+                      </a:r>
+                      <a:r>
+                        <a:rPr lang="en-US" altLang="ko-KR" sz="1000" b="0" dirty="0">
+                          <a:solidFill>
+                            <a:schemeClr val="tx1">
+                              <a:lumMod val="65000"/>
+                              <a:lumOff val="35000"/>
+                            </a:schemeClr>
+                          </a:solidFill>
+                        </a:rPr>
+                        <a:t>Player</a:t>
+                      </a:r>
+                      <a:r>
+                        <a:rPr lang="ko-KR" altLang="en-US" sz="1000" b="0" dirty="0">
+                          <a:solidFill>
+                            <a:schemeClr val="tx1">
+                              <a:lumMod val="65000"/>
+                              <a:lumOff val="35000"/>
+                            </a:schemeClr>
+                          </a:solidFill>
+                        </a:rPr>
+                        <a:t>를 향해 이동하도록 구현</a:t>
+                      </a:r>
                     </a:p>
                   </a:txBody>
                   <a:tcPr anchor="ctr">
@@ -7571,14 +7816,17 @@
                     <a:lstStyle/>
                     <a:p>
                       <a:pPr algn="ctr" latinLnBrk="1"/>
-                      <a:endParaRPr lang="ko-KR" altLang="en-US" sz="1000" b="0" dirty="0">
-                        <a:solidFill>
-                          <a:schemeClr val="tx1">
-                            <a:lumMod val="65000"/>
-                            <a:lumOff val="35000"/>
-                          </a:schemeClr>
-                        </a:solidFill>
-                      </a:endParaRPr>
+                      <a:r>
+                        <a:rPr lang="ko-KR" altLang="en-US" sz="1000" b="0" dirty="0">
+                          <a:solidFill>
+                            <a:schemeClr val="tx1">
+                              <a:lumMod val="65000"/>
+                              <a:lumOff val="35000"/>
+                            </a:schemeClr>
+                          </a:solidFill>
+                        </a:rPr>
+                        <a:t>그래픽 리소스 추가</a:t>
+                      </a:r>
                     </a:p>
                   </a:txBody>
                   <a:tcPr anchor="ctr">
@@ -7810,7 +8058,7 @@
         <p:spPr>
           <a:xfrm>
             <a:off x="1291673" y="139964"/>
-            <a:ext cx="5707012" cy="830997"/>
+            <a:ext cx="3877985" cy="830997"/>
           </a:xfrm>
           <a:prstGeom prst="rect">
             <a:avLst/>
@@ -7824,7 +8072,7 @@
           <a:lstStyle/>
           <a:p>
             <a:r>
-              <a:rPr lang="en-US" altLang="ko-KR" sz="4800" dirty="0">
+              <a:rPr lang="ko-KR" altLang="en-US" sz="4800" dirty="0" err="1">
                 <a:solidFill>
                   <a:schemeClr val="bg1">
                     <a:lumMod val="95000"/>
@@ -7832,19 +8080,16 @@
                 </a:solidFill>
                 <a:latin typeface="+mn-ea"/>
               </a:rPr>
-              <a:t>2D </a:t>
-            </a:r>
-            <a:r>
-              <a:rPr lang="ko-KR" altLang="en-US" sz="4800" dirty="0">
-                <a:solidFill>
-                  <a:schemeClr val="bg1">
-                    <a:lumMod val="95000"/>
-                  </a:schemeClr>
-                </a:solidFill>
-                <a:latin typeface="+mn-ea"/>
-              </a:rPr>
-              <a:t>게임 프로그래밍</a:t>
-            </a:r>
+              <a:t>아스테로이드</a:t>
+            </a:r>
+            <a:endParaRPr lang="ko-KR" altLang="en-US" sz="4800" dirty="0">
+              <a:solidFill>
+                <a:schemeClr val="bg1">
+                  <a:lumMod val="95000"/>
+                </a:schemeClr>
+              </a:solidFill>
+              <a:latin typeface="+mn-ea"/>
+            </a:endParaRPr>
           </a:p>
         </p:txBody>
       </p:sp>
@@ -7856,8 +8101,8 @@
         </p:nvSpPr>
         <p:spPr>
           <a:xfrm>
-            <a:off x="-73113" y="1915603"/>
-            <a:ext cx="1524841" cy="3785652"/>
+            <a:off x="116041" y="1915603"/>
+            <a:ext cx="1335687" cy="3785652"/>
           </a:xfrm>
           <a:prstGeom prst="rect">
             <a:avLst/>
@@ -7929,7 +8174,7 @@
                   </a:schemeClr>
                 </a:solidFill>
               </a:rPr>
-              <a:t>예상 흐름</a:t>
+              <a:t>개발 범위</a:t>
             </a:r>
             <a:endParaRPr lang="en-US" altLang="ko-KR" b="1" u="sng" dirty="0">
               <a:solidFill>
@@ -7979,7 +8224,7 @@
                   </a:schemeClr>
                 </a:solidFill>
               </a:rPr>
-              <a:t>개발 범위</a:t>
+              <a:t>개발 일정</a:t>
             </a:r>
             <a:endParaRPr lang="en-US" altLang="ko-KR" b="1" u="sng" dirty="0">
               <a:solidFill>
@@ -8022,6 +8267,26 @@
           <a:p>
             <a:pPr algn="r"/>
             <a:r>
+              <a:rPr lang="en-US" altLang="ko-KR" sz="2400" b="1" u="sng" dirty="0" err="1">
+                <a:solidFill>
+                  <a:schemeClr val="bg1">
+                    <a:lumMod val="85000"/>
+                  </a:schemeClr>
+                </a:solidFill>
+              </a:rPr>
+              <a:t>Git</a:t>
+            </a:r>
+            <a:r>
+              <a:rPr lang="en-US" altLang="ko-KR" sz="2400" b="1" u="sng" dirty="0">
+                <a:solidFill>
+                  <a:schemeClr val="bg1">
+                    <a:lumMod val="85000"/>
+                  </a:schemeClr>
+                </a:solidFill>
+              </a:rPr>
+              <a:t> </a:t>
+            </a:r>
+            <a:r>
               <a:rPr lang="ko-KR" altLang="en-US" sz="2400" b="1" u="sng" dirty="0">
                 <a:solidFill>
                   <a:schemeClr val="bg1">
@@ -8029,14 +8294,14 @@
                   </a:schemeClr>
                 </a:solidFill>
               </a:rPr>
-              <a:t>개발 일정</a:t>
+              <a:t>통계</a:t>
             </a:r>
           </a:p>
         </p:txBody>
       </p:sp>
       <p:pic>
         <p:nvPicPr>
-          <p:cNvPr id="2" name="그림 1"/>
+          <p:cNvPr id="5" name="그림 4"/>
           <p:cNvPicPr>
             <a:picLocks noChangeAspect="1"/>
           </p:cNvPicPr>
@@ -8056,8 +8321,8 @@
         </p:blipFill>
         <p:spPr>
           <a:xfrm>
-            <a:off x="3068109" y="1605410"/>
-            <a:ext cx="7006091" cy="4406038"/>
+            <a:off x="2599375" y="1274020"/>
+            <a:ext cx="7943785" cy="5068816"/>
           </a:xfrm>
           <a:prstGeom prst="rect">
             <a:avLst/>
@@ -8068,6 +8333,939 @@
     <p:extLst>
       <p:ext uri="{BB962C8B-B14F-4D97-AF65-F5344CB8AC3E}">
         <p14:creationId xmlns:p14="http://schemas.microsoft.com/office/powerpoint/2010/main" val="3579606177"/>
+      </p:ext>
+    </p:extLst>
+  </p:cSld>
+  <p:clrMapOvr>
+    <a:masterClrMapping/>
+  </p:clrMapOvr>
+</p:sld>
+</file>
+
+<file path=ppt/slides/slide5.xml><?xml version="1.0" encoding="utf-8"?>
+<p:sld xmlns:a="http://schemas.openxmlformats.org/drawingml/2006/main" xmlns:r="http://schemas.openxmlformats.org/officeDocument/2006/relationships" xmlns:p="http://schemas.openxmlformats.org/presentationml/2006/main">
+  <p:cSld>
+    <p:spTree>
+      <p:nvGrpSpPr>
+        <p:cNvPr id="1" name=""/>
+        <p:cNvGrpSpPr/>
+        <p:nvPr/>
+      </p:nvGrpSpPr>
+      <p:grpSpPr>
+        <a:xfrm>
+          <a:off x="0" y="0"/>
+          <a:ext cx="0" cy="0"/>
+          <a:chOff x="0" y="0"/>
+          <a:chExt cx="0" cy="0"/>
+        </a:xfrm>
+      </p:grpSpPr>
+      <p:sp>
+        <p:nvSpPr>
+          <p:cNvPr id="3" name="사각형: 둥근 모서리 2"/>
+          <p:cNvSpPr/>
+          <p:nvPr/>
+        </p:nvSpPr>
+        <p:spPr>
+          <a:xfrm>
+            <a:off x="925098" y="1605410"/>
+            <a:ext cx="509047" cy="4406037"/>
+          </a:xfrm>
+          <a:prstGeom prst="roundRect">
+            <a:avLst/>
+          </a:prstGeom>
+          <a:solidFill>
+            <a:schemeClr val="tx1">
+              <a:lumMod val="65000"/>
+              <a:lumOff val="35000"/>
+            </a:schemeClr>
+          </a:solidFill>
+          <a:ln>
+            <a:noFill/>
+          </a:ln>
+        </p:spPr>
+        <p:style>
+          <a:lnRef idx="2">
+            <a:schemeClr val="accent1">
+              <a:shade val="50000"/>
+            </a:schemeClr>
+          </a:lnRef>
+          <a:fillRef idx="1">
+            <a:schemeClr val="accent1"/>
+          </a:fillRef>
+          <a:effectRef idx="0">
+            <a:schemeClr val="accent1"/>
+          </a:effectRef>
+          <a:fontRef idx="minor">
+            <a:schemeClr val="lt1"/>
+          </a:fontRef>
+        </p:style>
+        <p:txBody>
+          <a:bodyPr rtlCol="0" anchor="ctr"/>
+          <a:lstStyle/>
+          <a:p>
+            <a:pPr algn="ctr"/>
+            <a:endParaRPr lang="ko-KR" altLang="en-US"/>
+          </a:p>
+        </p:txBody>
+      </p:sp>
+      <p:sp>
+        <p:nvSpPr>
+          <p:cNvPr id="4" name="사각형: 둥근 모서리 3"/>
+          <p:cNvSpPr/>
+          <p:nvPr/>
+        </p:nvSpPr>
+        <p:spPr>
+          <a:xfrm>
+            <a:off x="1575847" y="1074656"/>
+            <a:ext cx="9990842" cy="5467546"/>
+          </a:xfrm>
+          <a:prstGeom prst="roundRect">
+            <a:avLst/>
+          </a:prstGeom>
+          <a:solidFill>
+            <a:schemeClr val="bg1">
+              <a:lumMod val="85000"/>
+            </a:schemeClr>
+          </a:solidFill>
+          <a:ln w="76200">
+            <a:solidFill>
+              <a:schemeClr val="tx1">
+                <a:lumMod val="50000"/>
+                <a:lumOff val="50000"/>
+              </a:schemeClr>
+            </a:solidFill>
+          </a:ln>
+        </p:spPr>
+        <p:style>
+          <a:lnRef idx="2">
+            <a:schemeClr val="accent1">
+              <a:shade val="50000"/>
+            </a:schemeClr>
+          </a:lnRef>
+          <a:fillRef idx="1">
+            <a:schemeClr val="accent1"/>
+          </a:fillRef>
+          <a:effectRef idx="0">
+            <a:schemeClr val="accent1"/>
+          </a:effectRef>
+          <a:fontRef idx="minor">
+            <a:schemeClr val="lt1"/>
+          </a:fontRef>
+        </p:style>
+        <p:txBody>
+          <a:bodyPr rtlCol="0" anchor="ctr"/>
+          <a:lstStyle/>
+          <a:p>
+            <a:pPr algn="ctr"/>
+            <a:endParaRPr lang="ko-KR" altLang="en-US" dirty="0"/>
+          </a:p>
+        </p:txBody>
+      </p:sp>
+      <p:sp>
+        <p:nvSpPr>
+          <p:cNvPr id="6" name="TextBox 5"/>
+          <p:cNvSpPr txBox="1"/>
+          <p:nvPr/>
+        </p:nvSpPr>
+        <p:spPr>
+          <a:xfrm>
+            <a:off x="1291673" y="139964"/>
+            <a:ext cx="3877985" cy="830997"/>
+          </a:xfrm>
+          <a:prstGeom prst="rect">
+            <a:avLst/>
+          </a:prstGeom>
+          <a:noFill/>
+        </p:spPr>
+        <p:txBody>
+          <a:bodyPr wrap="none" rtlCol="0">
+            <a:spAutoFit/>
+          </a:bodyPr>
+          <a:lstStyle/>
+          <a:p>
+            <a:r>
+              <a:rPr lang="ko-KR" altLang="en-US" sz="4800" dirty="0" err="1">
+                <a:solidFill>
+                  <a:schemeClr val="bg1">
+                    <a:lumMod val="95000"/>
+                  </a:schemeClr>
+                </a:solidFill>
+                <a:latin typeface="+mn-ea"/>
+              </a:rPr>
+              <a:t>아스테로이드</a:t>
+            </a:r>
+            <a:endParaRPr lang="ko-KR" altLang="en-US" sz="4800" dirty="0">
+              <a:solidFill>
+                <a:schemeClr val="bg1">
+                  <a:lumMod val="95000"/>
+                </a:schemeClr>
+              </a:solidFill>
+              <a:latin typeface="+mn-ea"/>
+            </a:endParaRPr>
+          </a:p>
+        </p:txBody>
+      </p:sp>
+      <p:sp>
+        <p:nvSpPr>
+          <p:cNvPr id="7" name="TextBox 6"/>
+          <p:cNvSpPr txBox="1"/>
+          <p:nvPr/>
+        </p:nvSpPr>
+        <p:spPr>
+          <a:xfrm>
+            <a:off x="261915" y="1915603"/>
+            <a:ext cx="1189813" cy="3693319"/>
+          </a:xfrm>
+          <a:prstGeom prst="rect">
+            <a:avLst/>
+          </a:prstGeom>
+          <a:noFill/>
+        </p:spPr>
+        <p:txBody>
+          <a:bodyPr wrap="none" rtlCol="0">
+            <a:spAutoFit/>
+          </a:bodyPr>
+          <a:lstStyle/>
+          <a:p>
+            <a:pPr algn="r"/>
+            <a:r>
+              <a:rPr lang="ko-KR" altLang="en-US" b="1" u="sng" dirty="0">
+                <a:solidFill>
+                  <a:schemeClr val="bg1">
+                    <a:lumMod val="85000"/>
+                  </a:schemeClr>
+                </a:solidFill>
+              </a:rPr>
+              <a:t>게임 컨셉</a:t>
+            </a:r>
+            <a:endParaRPr lang="en-US" altLang="ko-KR" b="1" u="sng" dirty="0">
+              <a:solidFill>
+                <a:schemeClr val="bg1">
+                  <a:lumMod val="85000"/>
+                </a:schemeClr>
+              </a:solidFill>
+            </a:endParaRPr>
+          </a:p>
+          <a:p>
+            <a:pPr algn="r"/>
+            <a:endParaRPr lang="en-US" altLang="ko-KR" b="1" u="sng" dirty="0">
+              <a:solidFill>
+                <a:schemeClr val="bg1">
+                  <a:lumMod val="85000"/>
+                </a:schemeClr>
+              </a:solidFill>
+            </a:endParaRPr>
+          </a:p>
+          <a:p>
+            <a:pPr algn="r"/>
+            <a:endParaRPr lang="en-US" altLang="ko-KR" b="1" u="sng" dirty="0">
+              <a:solidFill>
+                <a:schemeClr val="bg1">
+                  <a:lumMod val="85000"/>
+                </a:schemeClr>
+              </a:solidFill>
+            </a:endParaRPr>
+          </a:p>
+          <a:p>
+            <a:pPr algn="r"/>
+            <a:endParaRPr lang="en-US" altLang="ko-KR" b="1" u="sng" dirty="0">
+              <a:solidFill>
+                <a:schemeClr val="bg1">
+                  <a:lumMod val="85000"/>
+                </a:schemeClr>
+              </a:solidFill>
+            </a:endParaRPr>
+          </a:p>
+          <a:p>
+            <a:pPr algn="r"/>
+            <a:r>
+              <a:rPr lang="ko-KR" altLang="en-US" b="1" u="sng" dirty="0">
+                <a:solidFill>
+                  <a:schemeClr val="bg1">
+                    <a:lumMod val="85000"/>
+                  </a:schemeClr>
+                </a:solidFill>
+              </a:rPr>
+              <a:t>개발 범위</a:t>
+            </a:r>
+            <a:endParaRPr lang="en-US" altLang="ko-KR" b="1" u="sng" dirty="0">
+              <a:solidFill>
+                <a:schemeClr val="bg1">
+                  <a:lumMod val="85000"/>
+                </a:schemeClr>
+              </a:solidFill>
+            </a:endParaRPr>
+          </a:p>
+          <a:p>
+            <a:pPr algn="r"/>
+            <a:endParaRPr lang="en-US" altLang="ko-KR" b="1" u="sng" dirty="0">
+              <a:solidFill>
+                <a:schemeClr val="bg1">
+                  <a:lumMod val="85000"/>
+                </a:schemeClr>
+              </a:solidFill>
+            </a:endParaRPr>
+          </a:p>
+          <a:p>
+            <a:pPr algn="r"/>
+            <a:endParaRPr lang="en-US" altLang="ko-KR" b="1" u="sng" dirty="0">
+              <a:solidFill>
+                <a:schemeClr val="bg1">
+                  <a:lumMod val="85000"/>
+                </a:schemeClr>
+              </a:solidFill>
+            </a:endParaRPr>
+          </a:p>
+          <a:p>
+            <a:pPr algn="r"/>
+            <a:endParaRPr lang="en-US" altLang="ko-KR" b="1" u="sng" dirty="0">
+              <a:solidFill>
+                <a:schemeClr val="bg1">
+                  <a:lumMod val="85000"/>
+                </a:schemeClr>
+              </a:solidFill>
+            </a:endParaRPr>
+          </a:p>
+          <a:p>
+            <a:pPr algn="r"/>
+            <a:r>
+              <a:rPr lang="ko-KR" altLang="en-US" b="1" u="sng" dirty="0">
+                <a:solidFill>
+                  <a:schemeClr val="bg1">
+                    <a:lumMod val="85000"/>
+                  </a:schemeClr>
+                </a:solidFill>
+              </a:rPr>
+              <a:t>개발 일정</a:t>
+            </a:r>
+            <a:endParaRPr lang="en-US" altLang="ko-KR" b="1" u="sng" dirty="0">
+              <a:solidFill>
+                <a:schemeClr val="bg1">
+                  <a:lumMod val="85000"/>
+                </a:schemeClr>
+              </a:solidFill>
+            </a:endParaRPr>
+          </a:p>
+          <a:p>
+            <a:pPr algn="r"/>
+            <a:endParaRPr lang="en-US" altLang="ko-KR" b="1" u="sng" dirty="0">
+              <a:solidFill>
+                <a:schemeClr val="bg1">
+                  <a:lumMod val="85000"/>
+                </a:schemeClr>
+              </a:solidFill>
+            </a:endParaRPr>
+          </a:p>
+          <a:p>
+            <a:pPr algn="r"/>
+            <a:endParaRPr lang="en-US" altLang="ko-KR" b="1" u="sng" dirty="0">
+              <a:solidFill>
+                <a:schemeClr val="bg1">
+                  <a:lumMod val="85000"/>
+                </a:schemeClr>
+              </a:solidFill>
+            </a:endParaRPr>
+          </a:p>
+          <a:p>
+            <a:pPr algn="r"/>
+            <a:endParaRPr lang="en-US" altLang="ko-KR" b="1" u="sng" dirty="0">
+              <a:solidFill>
+                <a:schemeClr val="bg1">
+                  <a:lumMod val="85000"/>
+                </a:schemeClr>
+              </a:solidFill>
+            </a:endParaRPr>
+          </a:p>
+          <a:p>
+            <a:pPr algn="r"/>
+            <a:r>
+              <a:rPr lang="en-US" altLang="ko-KR" b="1" u="sng" dirty="0" err="1">
+                <a:solidFill>
+                  <a:schemeClr val="bg1">
+                    <a:lumMod val="85000"/>
+                  </a:schemeClr>
+                </a:solidFill>
+              </a:rPr>
+              <a:t>Git</a:t>
+            </a:r>
+            <a:r>
+              <a:rPr lang="en-US" altLang="ko-KR" b="1" u="sng" dirty="0">
+                <a:solidFill>
+                  <a:schemeClr val="bg1">
+                    <a:lumMod val="85000"/>
+                  </a:schemeClr>
+                </a:solidFill>
+              </a:rPr>
+              <a:t> </a:t>
+            </a:r>
+            <a:r>
+              <a:rPr lang="ko-KR" altLang="en-US" b="1" u="sng" dirty="0">
+                <a:solidFill>
+                  <a:schemeClr val="bg1">
+                    <a:lumMod val="85000"/>
+                  </a:schemeClr>
+                </a:solidFill>
+              </a:rPr>
+              <a:t>통계</a:t>
+            </a:r>
+          </a:p>
+        </p:txBody>
+      </p:sp>
+      <p:graphicFrame>
+        <p:nvGraphicFramePr>
+          <p:cNvPr id="8" name="표 7"/>
+          <p:cNvGraphicFramePr>
+            <a:graphicFrameLocks noGrp="1"/>
+          </p:cNvGraphicFramePr>
+          <p:nvPr>
+            <p:extLst>
+              <p:ext uri="{D42A27DB-BD31-4B8C-83A1-F6EECF244321}">
+                <p14:modId xmlns:p14="http://schemas.microsoft.com/office/powerpoint/2010/main" val="4170861703"/>
+              </p:ext>
+            </p:extLst>
+          </p:nvPr>
+        </p:nvGraphicFramePr>
+        <p:xfrm>
+          <a:off x="2394804" y="2360182"/>
+          <a:ext cx="8352928" cy="2804160"/>
+        </p:xfrm>
+        <a:graphic>
+          <a:graphicData uri="http://schemas.openxmlformats.org/drawingml/2006/table">
+            <a:tbl>
+              <a:tblPr firstRow="1" bandRow="1">
+                <a:tableStyleId>{9D7B26C5-4107-4FEC-AEDC-1716B250A1EF}</a:tableStyleId>
+              </a:tblPr>
+              <a:tblGrid>
+                <a:gridCol w="3960440">
+                  <a:extLst>
+                    <a:ext uri="{9D8B030D-6E8A-4147-A177-3AD203B41FA5}">
+                      <a16:colId xmlns:a16="http://schemas.microsoft.com/office/drawing/2014/main" val="20000"/>
+                    </a:ext>
+                  </a:extLst>
+                </a:gridCol>
+                <a:gridCol w="4392488">
+                  <a:extLst>
+                    <a:ext uri="{9D8B030D-6E8A-4147-A177-3AD203B41FA5}">
+                      <a16:colId xmlns:a16="http://schemas.microsoft.com/office/drawing/2014/main" val="20001"/>
+                    </a:ext>
+                  </a:extLst>
+                </a:gridCol>
+              </a:tblGrid>
+              <a:tr h="370840">
+                <a:tc>
+                  <a:txBody>
+                    <a:bodyPr/>
+                    <a:lstStyle/>
+                    <a:p>
+                      <a:pPr algn="ctr" latinLnBrk="1"/>
+                      <a:r>
+                        <a:rPr lang="ko-KR" altLang="en-US" sz="1600" dirty="0">
+                          <a:latin typeface="THE정고딕110" panose="02020603020101020101" pitchFamily="18" charset="-127"/>
+                          <a:ea typeface="THE정고딕110" panose="02020603020101020101" pitchFamily="18" charset="-127"/>
+                        </a:rPr>
+                        <a:t>평가항목</a:t>
+                      </a:r>
+                    </a:p>
+                  </a:txBody>
+                  <a:tcPr/>
+                </a:tc>
+                <a:tc>
+                  <a:txBody>
+                    <a:bodyPr/>
+                    <a:lstStyle/>
+                    <a:p>
+                      <a:pPr algn="ctr" latinLnBrk="1"/>
+                      <a:r>
+                        <a:rPr lang="ko-KR" altLang="en-US" sz="1600" dirty="0">
+                          <a:latin typeface="THE정고딕110" panose="02020603020101020101" pitchFamily="18" charset="-127"/>
+                          <a:ea typeface="THE정고딕110" panose="02020603020101020101" pitchFamily="18" charset="-127"/>
+                        </a:rPr>
+                        <a:t>평가</a:t>
+                      </a:r>
+                      <a:endParaRPr lang="en-US" altLang="ko-KR" sz="1600" dirty="0">
+                        <a:latin typeface="THE정고딕110" panose="02020603020101020101" pitchFamily="18" charset="-127"/>
+                        <a:ea typeface="THE정고딕110" panose="02020603020101020101" pitchFamily="18" charset="-127"/>
+                      </a:endParaRPr>
+                    </a:p>
+                    <a:p>
+                      <a:pPr algn="ctr" latinLnBrk="1"/>
+                      <a:r>
+                        <a:rPr lang="en-US" altLang="ko-KR" sz="1600" dirty="0">
+                          <a:latin typeface="THE정고딕110" panose="02020603020101020101" pitchFamily="18" charset="-127"/>
+                          <a:ea typeface="THE정고딕110" panose="02020603020101020101" pitchFamily="18" charset="-127"/>
+                        </a:rPr>
+                        <a:t>(A:</a:t>
+                      </a:r>
+                      <a:r>
+                        <a:rPr lang="ko-KR" altLang="en-US" sz="1600" dirty="0" err="1">
+                          <a:latin typeface="THE정고딕110" panose="02020603020101020101" pitchFamily="18" charset="-127"/>
+                          <a:ea typeface="THE정고딕110" panose="02020603020101020101" pitchFamily="18" charset="-127"/>
+                        </a:rPr>
+                        <a:t>매우잘함</a:t>
+                      </a:r>
+                      <a:r>
+                        <a:rPr lang="en-US" altLang="ko-KR" sz="1600" dirty="0">
+                          <a:latin typeface="THE정고딕110" panose="02020603020101020101" pitchFamily="18" charset="-127"/>
+                          <a:ea typeface="THE정고딕110" panose="02020603020101020101" pitchFamily="18" charset="-127"/>
+                        </a:rPr>
+                        <a:t>,B:</a:t>
+                      </a:r>
+                      <a:r>
+                        <a:rPr lang="ko-KR" altLang="en-US" sz="1600" dirty="0">
+                          <a:latin typeface="THE정고딕110" panose="02020603020101020101" pitchFamily="18" charset="-127"/>
+                          <a:ea typeface="THE정고딕110" panose="02020603020101020101" pitchFamily="18" charset="-127"/>
+                        </a:rPr>
+                        <a:t>잘함</a:t>
+                      </a:r>
+                      <a:r>
+                        <a:rPr lang="en-US" altLang="ko-KR" sz="1600" dirty="0">
+                          <a:latin typeface="THE정고딕110" panose="02020603020101020101" pitchFamily="18" charset="-127"/>
+                          <a:ea typeface="THE정고딕110" panose="02020603020101020101" pitchFamily="18" charset="-127"/>
+                        </a:rPr>
+                        <a:t>,C:</a:t>
+                      </a:r>
+                      <a:r>
+                        <a:rPr lang="ko-KR" altLang="en-US" sz="1600" dirty="0">
+                          <a:latin typeface="THE정고딕110" panose="02020603020101020101" pitchFamily="18" charset="-127"/>
+                          <a:ea typeface="THE정고딕110" panose="02020603020101020101" pitchFamily="18" charset="-127"/>
+                        </a:rPr>
+                        <a:t>보통</a:t>
+                      </a:r>
+                      <a:r>
+                        <a:rPr lang="en-US" altLang="ko-KR" sz="1600" dirty="0">
+                          <a:latin typeface="THE정고딕110" panose="02020603020101020101" pitchFamily="18" charset="-127"/>
+                          <a:ea typeface="THE정고딕110" panose="02020603020101020101" pitchFamily="18" charset="-127"/>
+                        </a:rPr>
+                        <a:t>,D:</a:t>
+                      </a:r>
+                      <a:r>
+                        <a:rPr lang="ko-KR" altLang="en-US" sz="1600" dirty="0">
+                          <a:latin typeface="THE정고딕110" panose="02020603020101020101" pitchFamily="18" charset="-127"/>
+                          <a:ea typeface="THE정고딕110" panose="02020603020101020101" pitchFamily="18" charset="-127"/>
+                        </a:rPr>
+                        <a:t>못함</a:t>
+                      </a:r>
+                      <a:r>
+                        <a:rPr lang="en-US" altLang="ko-KR" sz="1600" dirty="0">
+                          <a:latin typeface="THE정고딕110" panose="02020603020101020101" pitchFamily="18" charset="-127"/>
+                          <a:ea typeface="THE정고딕110" panose="02020603020101020101" pitchFamily="18" charset="-127"/>
+                        </a:rPr>
+                        <a:t>,E:</a:t>
+                      </a:r>
+                      <a:r>
+                        <a:rPr lang="ko-KR" altLang="en-US" sz="1600" dirty="0" err="1">
+                          <a:latin typeface="THE정고딕110" panose="02020603020101020101" pitchFamily="18" charset="-127"/>
+                          <a:ea typeface="THE정고딕110" panose="02020603020101020101" pitchFamily="18" charset="-127"/>
+                        </a:rPr>
+                        <a:t>매우못함</a:t>
+                      </a:r>
+                      <a:r>
+                        <a:rPr lang="en-US" altLang="ko-KR" sz="1600" dirty="0">
+                          <a:latin typeface="THE정고딕110" panose="02020603020101020101" pitchFamily="18" charset="-127"/>
+                          <a:ea typeface="THE정고딕110" panose="02020603020101020101" pitchFamily="18" charset="-127"/>
+                        </a:rPr>
+                        <a:t>)</a:t>
+                      </a:r>
+                      <a:endParaRPr lang="ko-KR" altLang="en-US" sz="1600" dirty="0">
+                        <a:latin typeface="THE정고딕110" panose="02020603020101020101" pitchFamily="18" charset="-127"/>
+                        <a:ea typeface="THE정고딕110" panose="02020603020101020101" pitchFamily="18" charset="-127"/>
+                      </a:endParaRPr>
+                    </a:p>
+                  </a:txBody>
+                  <a:tcPr/>
+                </a:tc>
+                <a:extLst>
+                  <a:ext uri="{0D108BD9-81ED-4DB2-BD59-A6C34878D82A}">
+                    <a16:rowId xmlns:a16="http://schemas.microsoft.com/office/drawing/2014/main" val="10000"/>
+                  </a:ext>
+                </a:extLst>
+              </a:tr>
+              <a:tr h="370840">
+                <a:tc>
+                  <a:txBody>
+                    <a:bodyPr/>
+                    <a:lstStyle/>
+                    <a:p>
+                      <a:pPr latinLnBrk="1"/>
+                      <a:r>
+                        <a:rPr lang="ko-KR" altLang="en-US" sz="1600" dirty="0">
+                          <a:latin typeface="THE정고딕110" panose="02020603020101020101" pitchFamily="18" charset="-127"/>
+                          <a:ea typeface="THE정고딕110" panose="02020603020101020101" pitchFamily="18" charset="-127"/>
+                        </a:rPr>
+                        <a:t>발표자료에 포함할 내용을 다 포함했는가</a:t>
+                      </a:r>
+                      <a:r>
+                        <a:rPr lang="en-US" altLang="ko-KR" sz="1600" dirty="0">
+                          <a:latin typeface="THE정고딕110" panose="02020603020101020101" pitchFamily="18" charset="-127"/>
+                          <a:ea typeface="THE정고딕110" panose="02020603020101020101" pitchFamily="18" charset="-127"/>
+                        </a:rPr>
+                        <a:t>?</a:t>
+                      </a:r>
+                      <a:endParaRPr lang="ko-KR" altLang="en-US" sz="1600" dirty="0">
+                        <a:latin typeface="THE정고딕110" panose="02020603020101020101" pitchFamily="18" charset="-127"/>
+                        <a:ea typeface="THE정고딕110" panose="02020603020101020101" pitchFamily="18" charset="-127"/>
+                      </a:endParaRPr>
+                    </a:p>
+                  </a:txBody>
+                  <a:tcPr/>
+                </a:tc>
+                <a:tc>
+                  <a:txBody>
+                    <a:bodyPr/>
+                    <a:lstStyle/>
+                    <a:p>
+                      <a:pPr algn="ctr" latinLnBrk="1"/>
+                      <a:r>
+                        <a:rPr lang="en-US" altLang="ko-KR" sz="1600" dirty="0">
+                          <a:latin typeface="THE정고딕110" panose="02020603020101020101" pitchFamily="18" charset="-127"/>
+                          <a:ea typeface="THE정고딕110" panose="02020603020101020101" pitchFamily="18" charset="-127"/>
+                        </a:rPr>
+                        <a:t>A</a:t>
+                      </a:r>
+                      <a:endParaRPr lang="ko-KR" altLang="en-US" sz="1600" dirty="0">
+                        <a:latin typeface="THE정고딕110" panose="02020603020101020101" pitchFamily="18" charset="-127"/>
+                        <a:ea typeface="THE정고딕110" panose="02020603020101020101" pitchFamily="18" charset="-127"/>
+                      </a:endParaRPr>
+                    </a:p>
+                  </a:txBody>
+                  <a:tcPr/>
+                </a:tc>
+                <a:extLst>
+                  <a:ext uri="{0D108BD9-81ED-4DB2-BD59-A6C34878D82A}">
+                    <a16:rowId xmlns:a16="http://schemas.microsoft.com/office/drawing/2014/main" val="10001"/>
+                  </a:ext>
+                </a:extLst>
+              </a:tr>
+              <a:tr h="370840">
+                <a:tc>
+                  <a:txBody>
+                    <a:bodyPr/>
+                    <a:lstStyle/>
+                    <a:p>
+                      <a:pPr latinLnBrk="1"/>
+                      <a:r>
+                        <a:rPr lang="ko-KR" altLang="en-US" sz="1600" dirty="0" err="1">
+                          <a:latin typeface="THE정고딕110" panose="02020603020101020101" pitchFamily="18" charset="-127"/>
+                          <a:ea typeface="THE정고딕110" panose="02020603020101020101" pitchFamily="18" charset="-127"/>
+                        </a:rPr>
+                        <a:t>게임컨셉이</a:t>
+                      </a:r>
+                      <a:r>
+                        <a:rPr lang="ko-KR" altLang="en-US" sz="1600" dirty="0">
+                          <a:latin typeface="THE정고딕110" panose="02020603020101020101" pitchFamily="18" charset="-127"/>
+                          <a:ea typeface="THE정고딕110" panose="02020603020101020101" pitchFamily="18" charset="-127"/>
+                        </a:rPr>
+                        <a:t> 잘 표현되었는가</a:t>
+                      </a:r>
+                      <a:r>
+                        <a:rPr lang="en-US" altLang="ko-KR" sz="1600" dirty="0">
+                          <a:latin typeface="THE정고딕110" panose="02020603020101020101" pitchFamily="18" charset="-127"/>
+                          <a:ea typeface="THE정고딕110" panose="02020603020101020101" pitchFamily="18" charset="-127"/>
+                        </a:rPr>
+                        <a:t>?</a:t>
+                      </a:r>
+                      <a:endParaRPr lang="ko-KR" altLang="en-US" sz="1600" dirty="0">
+                        <a:latin typeface="THE정고딕110" panose="02020603020101020101" pitchFamily="18" charset="-127"/>
+                        <a:ea typeface="THE정고딕110" panose="02020603020101020101" pitchFamily="18" charset="-127"/>
+                      </a:endParaRPr>
+                    </a:p>
+                  </a:txBody>
+                  <a:tcPr/>
+                </a:tc>
+                <a:tc>
+                  <a:txBody>
+                    <a:bodyPr/>
+                    <a:lstStyle/>
+                    <a:p>
+                      <a:pPr algn="ctr" latinLnBrk="1"/>
+                      <a:r>
+                        <a:rPr lang="en-US" altLang="ko-KR" sz="1600" dirty="0">
+                          <a:latin typeface="THE정고딕110" panose="02020603020101020101" pitchFamily="18" charset="-127"/>
+                          <a:ea typeface="THE정고딕110" panose="02020603020101020101" pitchFamily="18" charset="-127"/>
+                        </a:rPr>
+                        <a:t>A</a:t>
+                      </a:r>
+                      <a:endParaRPr lang="ko-KR" altLang="en-US" sz="1600" dirty="0">
+                        <a:latin typeface="THE정고딕110" panose="02020603020101020101" pitchFamily="18" charset="-127"/>
+                        <a:ea typeface="THE정고딕110" panose="02020603020101020101" pitchFamily="18" charset="-127"/>
+                      </a:endParaRPr>
+                    </a:p>
+                  </a:txBody>
+                  <a:tcPr/>
+                </a:tc>
+                <a:extLst>
+                  <a:ext uri="{0D108BD9-81ED-4DB2-BD59-A6C34878D82A}">
+                    <a16:rowId xmlns:a16="http://schemas.microsoft.com/office/drawing/2014/main" val="10002"/>
+                  </a:ext>
+                </a:extLst>
+              </a:tr>
+              <a:tr h="370840">
+                <a:tc>
+                  <a:txBody>
+                    <a:bodyPr/>
+                    <a:lstStyle/>
+                    <a:p>
+                      <a:pPr latinLnBrk="1"/>
+                      <a:r>
+                        <a:rPr lang="ko-KR" altLang="en-US" sz="1600" dirty="0">
+                          <a:latin typeface="THE정고딕110" panose="02020603020101020101" pitchFamily="18" charset="-127"/>
+                          <a:ea typeface="THE정고딕110" panose="02020603020101020101" pitchFamily="18" charset="-127"/>
+                        </a:rPr>
+                        <a:t>게임 핵심 </a:t>
+                      </a:r>
+                      <a:r>
+                        <a:rPr lang="ko-KR" altLang="en-US" sz="1600" dirty="0" err="1">
+                          <a:latin typeface="THE정고딕110" panose="02020603020101020101" pitchFamily="18" charset="-127"/>
+                          <a:ea typeface="THE정고딕110" panose="02020603020101020101" pitchFamily="18" charset="-127"/>
+                        </a:rPr>
+                        <a:t>메카닉의</a:t>
+                      </a:r>
+                      <a:r>
+                        <a:rPr lang="ko-KR" altLang="en-US" sz="1600" dirty="0">
+                          <a:latin typeface="THE정고딕110" panose="02020603020101020101" pitchFamily="18" charset="-127"/>
+                          <a:ea typeface="THE정고딕110" panose="02020603020101020101" pitchFamily="18" charset="-127"/>
+                        </a:rPr>
+                        <a:t> 제시가 잘 되었는가</a:t>
+                      </a:r>
+                      <a:r>
+                        <a:rPr lang="en-US" altLang="ko-KR" sz="1600" dirty="0">
+                          <a:latin typeface="THE정고딕110" panose="02020603020101020101" pitchFamily="18" charset="-127"/>
+                          <a:ea typeface="THE정고딕110" panose="02020603020101020101" pitchFamily="18" charset="-127"/>
+                        </a:rPr>
+                        <a:t>?</a:t>
+                      </a:r>
+                      <a:endParaRPr lang="ko-KR" altLang="en-US" sz="1600" dirty="0">
+                        <a:latin typeface="THE정고딕110" panose="02020603020101020101" pitchFamily="18" charset="-127"/>
+                        <a:ea typeface="THE정고딕110" panose="02020603020101020101" pitchFamily="18" charset="-127"/>
+                      </a:endParaRPr>
+                    </a:p>
+                  </a:txBody>
+                  <a:tcPr/>
+                </a:tc>
+                <a:tc>
+                  <a:txBody>
+                    <a:bodyPr/>
+                    <a:lstStyle/>
+                    <a:p>
+                      <a:pPr algn="ctr" latinLnBrk="1"/>
+                      <a:r>
+                        <a:rPr lang="en-US" altLang="ko-KR" sz="1600" dirty="0">
+                          <a:latin typeface="THE정고딕110" panose="02020603020101020101" pitchFamily="18" charset="-127"/>
+                          <a:ea typeface="THE정고딕110" panose="02020603020101020101" pitchFamily="18" charset="-127"/>
+                        </a:rPr>
+                        <a:t>B</a:t>
+                      </a:r>
+                      <a:endParaRPr lang="ko-KR" altLang="en-US" sz="1600" dirty="0">
+                        <a:latin typeface="THE정고딕110" panose="02020603020101020101" pitchFamily="18" charset="-127"/>
+                        <a:ea typeface="THE정고딕110" panose="02020603020101020101" pitchFamily="18" charset="-127"/>
+                      </a:endParaRPr>
+                    </a:p>
+                  </a:txBody>
+                  <a:tcPr/>
+                </a:tc>
+                <a:extLst>
+                  <a:ext uri="{0D108BD9-81ED-4DB2-BD59-A6C34878D82A}">
+                    <a16:rowId xmlns:a16="http://schemas.microsoft.com/office/drawing/2014/main" val="10003"/>
+                  </a:ext>
+                </a:extLst>
+              </a:tr>
+              <a:tr h="370840">
+                <a:tc>
+                  <a:txBody>
+                    <a:bodyPr/>
+                    <a:lstStyle/>
+                    <a:p>
+                      <a:pPr latinLnBrk="1"/>
+                      <a:r>
+                        <a:rPr lang="ko-KR" altLang="en-US" sz="1600" dirty="0">
+                          <a:latin typeface="THE정고딕110" panose="02020603020101020101" pitchFamily="18" charset="-127"/>
+                          <a:ea typeface="THE정고딕110" panose="02020603020101020101" pitchFamily="18" charset="-127"/>
+                        </a:rPr>
+                        <a:t>게임 실행 흐름이 잘 표현되었는가</a:t>
+                      </a:r>
+                      <a:r>
+                        <a:rPr lang="en-US" altLang="ko-KR" sz="1600" dirty="0">
+                          <a:latin typeface="THE정고딕110" panose="02020603020101020101" pitchFamily="18" charset="-127"/>
+                          <a:ea typeface="THE정고딕110" panose="02020603020101020101" pitchFamily="18" charset="-127"/>
+                        </a:rPr>
+                        <a:t>?</a:t>
+                      </a:r>
+                      <a:endParaRPr lang="ko-KR" altLang="en-US" sz="1600" dirty="0">
+                        <a:latin typeface="THE정고딕110" panose="02020603020101020101" pitchFamily="18" charset="-127"/>
+                        <a:ea typeface="THE정고딕110" panose="02020603020101020101" pitchFamily="18" charset="-127"/>
+                      </a:endParaRPr>
+                    </a:p>
+                  </a:txBody>
+                  <a:tcPr/>
+                </a:tc>
+                <a:tc>
+                  <a:txBody>
+                    <a:bodyPr/>
+                    <a:lstStyle/>
+                    <a:p>
+                      <a:pPr algn="ctr" latinLnBrk="1"/>
+                      <a:r>
+                        <a:rPr lang="en-US" altLang="ko-KR" sz="1600" dirty="0">
+                          <a:latin typeface="THE정고딕110" panose="02020603020101020101" pitchFamily="18" charset="-127"/>
+                          <a:ea typeface="THE정고딕110" panose="02020603020101020101" pitchFamily="18" charset="-127"/>
+                        </a:rPr>
+                        <a:t>B</a:t>
+                      </a:r>
+                      <a:endParaRPr lang="ko-KR" altLang="en-US" sz="1600" dirty="0">
+                        <a:latin typeface="THE정고딕110" panose="02020603020101020101" pitchFamily="18" charset="-127"/>
+                        <a:ea typeface="THE정고딕110" panose="02020603020101020101" pitchFamily="18" charset="-127"/>
+                      </a:endParaRPr>
+                    </a:p>
+                  </a:txBody>
+                  <a:tcPr/>
+                </a:tc>
+                <a:extLst>
+                  <a:ext uri="{0D108BD9-81ED-4DB2-BD59-A6C34878D82A}">
+                    <a16:rowId xmlns:a16="http://schemas.microsoft.com/office/drawing/2014/main" val="10004"/>
+                  </a:ext>
+                </a:extLst>
+              </a:tr>
+              <a:tr h="370840">
+                <a:tc>
+                  <a:txBody>
+                    <a:bodyPr/>
+                    <a:lstStyle/>
+                    <a:p>
+                      <a:pPr latinLnBrk="1"/>
+                      <a:r>
+                        <a:rPr lang="ko-KR" altLang="en-US" sz="1600" dirty="0">
+                          <a:latin typeface="THE정고딕110" panose="02020603020101020101" pitchFamily="18" charset="-127"/>
+                          <a:ea typeface="THE정고딕110" panose="02020603020101020101" pitchFamily="18" charset="-127"/>
+                        </a:rPr>
+                        <a:t>개발 범위가 구체적이며</a:t>
+                      </a:r>
+                      <a:r>
+                        <a:rPr lang="en-US" altLang="ko-KR" sz="1600" dirty="0">
+                          <a:latin typeface="THE정고딕110" panose="02020603020101020101" pitchFamily="18" charset="-127"/>
+                          <a:ea typeface="THE정고딕110" panose="02020603020101020101" pitchFamily="18" charset="-127"/>
+                        </a:rPr>
+                        <a:t>,</a:t>
+                      </a:r>
+                      <a:r>
+                        <a:rPr lang="ko-KR" altLang="en-US" sz="1600" dirty="0">
+                          <a:latin typeface="THE정고딕110" panose="02020603020101020101" pitchFamily="18" charset="-127"/>
+                          <a:ea typeface="THE정고딕110" panose="02020603020101020101" pitchFamily="18" charset="-127"/>
+                        </a:rPr>
+                        <a:t> 측정 가능한가</a:t>
+                      </a:r>
+                      <a:r>
+                        <a:rPr lang="en-US" altLang="ko-KR" sz="1600" dirty="0">
+                          <a:latin typeface="THE정고딕110" panose="02020603020101020101" pitchFamily="18" charset="-127"/>
+                          <a:ea typeface="THE정고딕110" panose="02020603020101020101" pitchFamily="18" charset="-127"/>
+                        </a:rPr>
+                        <a:t>?</a:t>
+                      </a:r>
+                      <a:endParaRPr lang="ko-KR" altLang="en-US" sz="1600" dirty="0">
+                        <a:latin typeface="THE정고딕110" panose="02020603020101020101" pitchFamily="18" charset="-127"/>
+                        <a:ea typeface="THE정고딕110" panose="02020603020101020101" pitchFamily="18" charset="-127"/>
+                      </a:endParaRPr>
+                    </a:p>
+                  </a:txBody>
+                  <a:tcPr/>
+                </a:tc>
+                <a:tc>
+                  <a:txBody>
+                    <a:bodyPr/>
+                    <a:lstStyle/>
+                    <a:p>
+                      <a:pPr algn="ctr" latinLnBrk="1"/>
+                      <a:r>
+                        <a:rPr lang="en-US" altLang="ko-KR" sz="1600" dirty="0">
+                          <a:latin typeface="THE정고딕110" panose="02020603020101020101" pitchFamily="18" charset="-127"/>
+                          <a:ea typeface="THE정고딕110" panose="02020603020101020101" pitchFamily="18" charset="-127"/>
+                        </a:rPr>
+                        <a:t>A</a:t>
+                      </a:r>
+                      <a:endParaRPr lang="ko-KR" altLang="en-US" sz="1600" dirty="0">
+                        <a:latin typeface="THE정고딕110" panose="02020603020101020101" pitchFamily="18" charset="-127"/>
+                        <a:ea typeface="THE정고딕110" panose="02020603020101020101" pitchFamily="18" charset="-127"/>
+                      </a:endParaRPr>
+                    </a:p>
+                  </a:txBody>
+                  <a:tcPr/>
+                </a:tc>
+                <a:extLst>
+                  <a:ext uri="{0D108BD9-81ED-4DB2-BD59-A6C34878D82A}">
+                    <a16:rowId xmlns:a16="http://schemas.microsoft.com/office/drawing/2014/main" val="10005"/>
+                  </a:ext>
+                </a:extLst>
+              </a:tr>
+              <a:tr h="370840">
+                <a:tc>
+                  <a:txBody>
+                    <a:bodyPr/>
+                    <a:lstStyle/>
+                    <a:p>
+                      <a:pPr latinLnBrk="1"/>
+                      <a:r>
+                        <a:rPr lang="ko-KR" altLang="en-US" sz="1600" dirty="0">
+                          <a:latin typeface="THE정고딕110" panose="02020603020101020101" pitchFamily="18" charset="-127"/>
+                          <a:ea typeface="THE정고딕110" panose="02020603020101020101" pitchFamily="18" charset="-127"/>
+                        </a:rPr>
+                        <a:t>개발 계획이 구체적이며 </a:t>
+                      </a:r>
+                      <a:r>
+                        <a:rPr lang="ko-KR" altLang="en-US" sz="1600" dirty="0" err="1">
+                          <a:latin typeface="THE정고딕110" panose="02020603020101020101" pitchFamily="18" charset="-127"/>
+                          <a:ea typeface="THE정고딕110" panose="02020603020101020101" pitchFamily="18" charset="-127"/>
+                        </a:rPr>
+                        <a:t>실행가능한가</a:t>
+                      </a:r>
+                      <a:r>
+                        <a:rPr lang="en-US" altLang="ko-KR" sz="1600" dirty="0">
+                          <a:latin typeface="THE정고딕110" panose="02020603020101020101" pitchFamily="18" charset="-127"/>
+                          <a:ea typeface="THE정고딕110" panose="02020603020101020101" pitchFamily="18" charset="-127"/>
+                        </a:rPr>
+                        <a:t>?</a:t>
+                      </a:r>
+                      <a:endParaRPr lang="ko-KR" altLang="en-US" sz="1600" dirty="0">
+                        <a:latin typeface="THE정고딕110" panose="02020603020101020101" pitchFamily="18" charset="-127"/>
+                        <a:ea typeface="THE정고딕110" panose="02020603020101020101" pitchFamily="18" charset="-127"/>
+                      </a:endParaRPr>
+                    </a:p>
+                  </a:txBody>
+                  <a:tcPr/>
+                </a:tc>
+                <a:tc>
+                  <a:txBody>
+                    <a:bodyPr/>
+                    <a:lstStyle/>
+                    <a:p>
+                      <a:pPr algn="ctr" latinLnBrk="1"/>
+                      <a:r>
+                        <a:rPr lang="en-US" altLang="ko-KR" sz="1600" dirty="0">
+                          <a:latin typeface="THE정고딕110" panose="02020603020101020101" pitchFamily="18" charset="-127"/>
+                          <a:ea typeface="THE정고딕110" panose="02020603020101020101" pitchFamily="18" charset="-127"/>
+                        </a:rPr>
+                        <a:t>B</a:t>
+                      </a:r>
+                      <a:endParaRPr lang="ko-KR" altLang="en-US" sz="1600" dirty="0">
+                        <a:latin typeface="THE정고딕110" panose="02020603020101020101" pitchFamily="18" charset="-127"/>
+                        <a:ea typeface="THE정고딕110" panose="02020603020101020101" pitchFamily="18" charset="-127"/>
+                      </a:endParaRPr>
+                    </a:p>
+                  </a:txBody>
+                  <a:tcPr/>
+                </a:tc>
+                <a:extLst>
+                  <a:ext uri="{0D108BD9-81ED-4DB2-BD59-A6C34878D82A}">
+                    <a16:rowId xmlns:a16="http://schemas.microsoft.com/office/drawing/2014/main" val="10006"/>
+                  </a:ext>
+                </a:extLst>
+              </a:tr>
+            </a:tbl>
+          </a:graphicData>
+        </a:graphic>
+      </p:graphicFrame>
+    </p:spTree>
+    <p:extLst>
+      <p:ext uri="{BB962C8B-B14F-4D97-AF65-F5344CB8AC3E}">
+        <p14:creationId xmlns:p14="http://schemas.microsoft.com/office/powerpoint/2010/main" val="320802780"/>
       </p:ext>
     </p:extLst>
   </p:cSld>
